--- a/docs/archivos/QUAR THREE RESUMEN.pptx
+++ b/docs/archivos/QUAR THREE RESUMEN.pptx
@@ -216,7 +216,7 @@
           <a:p>
             <a:fld id="{766C54B1-5C3A-411D-B32A-189F18836054}" type="datetimeFigureOut">
               <a:rPr lang="es-ES" smtClean="0"/>
-              <a:t>24/04/2024</a:t>
+              <a:t>01/12/2025</a:t>
             </a:fld>
             <a:endParaRPr lang="es-ES"/>
           </a:p>
@@ -341,10 +341,9 @@
           </a:lstStyle>
           <a:p>
             <a:r>
-              <a:rPr lang="es-ES" smtClean="0"/>
+              <a:rPr lang="es-ES"/>
               <a:t>Haga clic para modificar el estilo de título del patrón</a:t>
             </a:r>
-            <a:endParaRPr lang="es-ES"/>
           </a:p>
         </p:txBody>
       </p:sp>
@@ -406,10 +405,9 @@
           </a:lstStyle>
           <a:p>
             <a:r>
-              <a:rPr lang="es-ES" smtClean="0"/>
+              <a:rPr lang="es-ES"/>
               <a:t>Haga clic para editar el estilo de subtítulo del patrón</a:t>
             </a:r>
-            <a:endParaRPr lang="es-ES"/>
           </a:p>
         </p:txBody>
       </p:sp>
@@ -430,7 +428,7 @@
           <a:p>
             <a:fld id="{99816BDB-D744-4144-8E99-14325B00ED4B}" type="datetimeFigureOut">
               <a:rPr lang="es-ES" smtClean="0"/>
-              <a:t>24/04/2024</a:t>
+              <a:t>01/12/2025</a:t>
             </a:fld>
             <a:endParaRPr lang="es-ES"/>
           </a:p>
@@ -524,10 +522,9 @@
           <a:lstStyle/>
           <a:p>
             <a:r>
-              <a:rPr lang="es-ES" smtClean="0"/>
+              <a:rPr lang="es-ES"/>
               <a:t>Haga clic para modificar el estilo de título del patrón</a:t>
             </a:r>
-            <a:endParaRPr lang="es-ES"/>
           </a:p>
         </p:txBody>
       </p:sp>
@@ -548,38 +545,37 @@
           <a:p>
             <a:pPr lvl="0"/>
             <a:r>
-              <a:rPr lang="es-ES" smtClean="0"/>
+              <a:rPr lang="es-ES"/>
               <a:t>Editar el estilo de texto del patrón</a:t>
             </a:r>
           </a:p>
           <a:p>
             <a:pPr lvl="1"/>
             <a:r>
-              <a:rPr lang="es-ES" smtClean="0"/>
+              <a:rPr lang="es-ES"/>
               <a:t>Segundo nivel</a:t>
             </a:r>
           </a:p>
           <a:p>
             <a:pPr lvl="2"/>
             <a:r>
-              <a:rPr lang="es-ES" smtClean="0"/>
+              <a:rPr lang="es-ES"/>
               <a:t>Tercer nivel</a:t>
             </a:r>
           </a:p>
           <a:p>
             <a:pPr lvl="3"/>
             <a:r>
-              <a:rPr lang="es-ES" smtClean="0"/>
+              <a:rPr lang="es-ES"/>
               <a:t>Cuarto nivel</a:t>
             </a:r>
           </a:p>
           <a:p>
             <a:pPr lvl="4"/>
             <a:r>
-              <a:rPr lang="es-ES" smtClean="0"/>
+              <a:rPr lang="es-ES"/>
               <a:t>Quinto nivel</a:t>
             </a:r>
-            <a:endParaRPr lang="es-ES"/>
           </a:p>
         </p:txBody>
       </p:sp>
@@ -600,7 +596,7 @@
           <a:p>
             <a:fld id="{99816BDB-D744-4144-8E99-14325B00ED4B}" type="datetimeFigureOut">
               <a:rPr lang="es-ES" smtClean="0"/>
-              <a:t>24/04/2024</a:t>
+              <a:t>01/12/2025</a:t>
             </a:fld>
             <a:endParaRPr lang="es-ES"/>
           </a:p>
@@ -699,10 +695,9 @@
           <a:lstStyle/>
           <a:p>
             <a:r>
-              <a:rPr lang="es-ES" smtClean="0"/>
+              <a:rPr lang="es-ES"/>
               <a:t>Haga clic para modificar el estilo de título del patrón</a:t>
             </a:r>
-            <a:endParaRPr lang="es-ES"/>
           </a:p>
         </p:txBody>
       </p:sp>
@@ -728,38 +723,37 @@
           <a:p>
             <a:pPr lvl="0"/>
             <a:r>
-              <a:rPr lang="es-ES" smtClean="0"/>
+              <a:rPr lang="es-ES"/>
               <a:t>Editar el estilo de texto del patrón</a:t>
             </a:r>
           </a:p>
           <a:p>
             <a:pPr lvl="1"/>
             <a:r>
-              <a:rPr lang="es-ES" smtClean="0"/>
+              <a:rPr lang="es-ES"/>
               <a:t>Segundo nivel</a:t>
             </a:r>
           </a:p>
           <a:p>
             <a:pPr lvl="2"/>
             <a:r>
-              <a:rPr lang="es-ES" smtClean="0"/>
+              <a:rPr lang="es-ES"/>
               <a:t>Tercer nivel</a:t>
             </a:r>
           </a:p>
           <a:p>
             <a:pPr lvl="3"/>
             <a:r>
-              <a:rPr lang="es-ES" smtClean="0"/>
+              <a:rPr lang="es-ES"/>
               <a:t>Cuarto nivel</a:t>
             </a:r>
           </a:p>
           <a:p>
             <a:pPr lvl="4"/>
             <a:r>
-              <a:rPr lang="es-ES" smtClean="0"/>
+              <a:rPr lang="es-ES"/>
               <a:t>Quinto nivel</a:t>
             </a:r>
-            <a:endParaRPr lang="es-ES"/>
           </a:p>
         </p:txBody>
       </p:sp>
@@ -780,7 +774,7 @@
           <a:p>
             <a:fld id="{99816BDB-D744-4144-8E99-14325B00ED4B}" type="datetimeFigureOut">
               <a:rPr lang="es-ES" smtClean="0"/>
-              <a:t>24/04/2024</a:t>
+              <a:t>01/12/2025</a:t>
             </a:fld>
             <a:endParaRPr lang="es-ES"/>
           </a:p>
@@ -874,10 +868,9 @@
           <a:lstStyle/>
           <a:p>
             <a:r>
-              <a:rPr lang="es-ES" smtClean="0"/>
+              <a:rPr lang="es-ES"/>
               <a:t>Haga clic para modificar el estilo de título del patrón</a:t>
             </a:r>
-            <a:endParaRPr lang="es-ES"/>
           </a:p>
         </p:txBody>
       </p:sp>
@@ -898,38 +891,37 @@
           <a:p>
             <a:pPr lvl="0"/>
             <a:r>
-              <a:rPr lang="es-ES" smtClean="0"/>
+              <a:rPr lang="es-ES"/>
               <a:t>Editar el estilo de texto del patrón</a:t>
             </a:r>
           </a:p>
           <a:p>
             <a:pPr lvl="1"/>
             <a:r>
-              <a:rPr lang="es-ES" smtClean="0"/>
+              <a:rPr lang="es-ES"/>
               <a:t>Segundo nivel</a:t>
             </a:r>
           </a:p>
           <a:p>
             <a:pPr lvl="2"/>
             <a:r>
-              <a:rPr lang="es-ES" smtClean="0"/>
+              <a:rPr lang="es-ES"/>
               <a:t>Tercer nivel</a:t>
             </a:r>
           </a:p>
           <a:p>
             <a:pPr lvl="3"/>
             <a:r>
-              <a:rPr lang="es-ES" smtClean="0"/>
+              <a:rPr lang="es-ES"/>
               <a:t>Cuarto nivel</a:t>
             </a:r>
           </a:p>
           <a:p>
             <a:pPr lvl="4"/>
             <a:r>
-              <a:rPr lang="es-ES" smtClean="0"/>
+              <a:rPr lang="es-ES"/>
               <a:t>Quinto nivel</a:t>
             </a:r>
-            <a:endParaRPr lang="es-ES"/>
           </a:p>
         </p:txBody>
       </p:sp>
@@ -950,7 +942,7 @@
           <a:p>
             <a:fld id="{99816BDB-D744-4144-8E99-14325B00ED4B}" type="datetimeFigureOut">
               <a:rPr lang="es-ES" smtClean="0"/>
-              <a:t>24/04/2024</a:t>
+              <a:t>01/12/2025</a:t>
             </a:fld>
             <a:endParaRPr lang="es-ES"/>
           </a:p>
@@ -1053,10 +1045,9 @@
           </a:lstStyle>
           <a:p>
             <a:r>
-              <a:rPr lang="es-ES" smtClean="0"/>
+              <a:rPr lang="es-ES"/>
               <a:t>Haga clic para modificar el estilo de título del patrón</a:t>
             </a:r>
-            <a:endParaRPr lang="es-ES"/>
           </a:p>
         </p:txBody>
       </p:sp>
@@ -1173,7 +1164,7 @@
           <a:p>
             <a:pPr lvl="0"/>
             <a:r>
-              <a:rPr lang="es-ES" smtClean="0"/>
+              <a:rPr lang="es-ES"/>
               <a:t>Editar el estilo de texto del patrón</a:t>
             </a:r>
           </a:p>
@@ -1196,7 +1187,7 @@
           <a:p>
             <a:fld id="{99816BDB-D744-4144-8E99-14325B00ED4B}" type="datetimeFigureOut">
               <a:rPr lang="es-ES" smtClean="0"/>
-              <a:t>24/04/2024</a:t>
+              <a:t>01/12/2025</a:t>
             </a:fld>
             <a:endParaRPr lang="es-ES"/>
           </a:p>
@@ -1290,10 +1281,9 @@
           <a:lstStyle/>
           <a:p>
             <a:r>
-              <a:rPr lang="es-ES" smtClean="0"/>
+              <a:rPr lang="es-ES"/>
               <a:t>Haga clic para modificar el estilo de título del patrón</a:t>
             </a:r>
-            <a:endParaRPr lang="es-ES"/>
           </a:p>
         </p:txBody>
       </p:sp>
@@ -1319,38 +1309,37 @@
           <a:p>
             <a:pPr lvl="0"/>
             <a:r>
-              <a:rPr lang="es-ES" smtClean="0"/>
+              <a:rPr lang="es-ES"/>
               <a:t>Editar el estilo de texto del patrón</a:t>
             </a:r>
           </a:p>
           <a:p>
             <a:pPr lvl="1"/>
             <a:r>
-              <a:rPr lang="es-ES" smtClean="0"/>
+              <a:rPr lang="es-ES"/>
               <a:t>Segundo nivel</a:t>
             </a:r>
           </a:p>
           <a:p>
             <a:pPr lvl="2"/>
             <a:r>
-              <a:rPr lang="es-ES" smtClean="0"/>
+              <a:rPr lang="es-ES"/>
               <a:t>Tercer nivel</a:t>
             </a:r>
           </a:p>
           <a:p>
             <a:pPr lvl="3"/>
             <a:r>
-              <a:rPr lang="es-ES" smtClean="0"/>
+              <a:rPr lang="es-ES"/>
               <a:t>Cuarto nivel</a:t>
             </a:r>
           </a:p>
           <a:p>
             <a:pPr lvl="4"/>
             <a:r>
-              <a:rPr lang="es-ES" smtClean="0"/>
+              <a:rPr lang="es-ES"/>
               <a:t>Quinto nivel</a:t>
             </a:r>
-            <a:endParaRPr lang="es-ES"/>
           </a:p>
         </p:txBody>
       </p:sp>
@@ -1376,38 +1365,37 @@
           <a:p>
             <a:pPr lvl="0"/>
             <a:r>
-              <a:rPr lang="es-ES" smtClean="0"/>
+              <a:rPr lang="es-ES"/>
               <a:t>Editar el estilo de texto del patrón</a:t>
             </a:r>
           </a:p>
           <a:p>
             <a:pPr lvl="1"/>
             <a:r>
-              <a:rPr lang="es-ES" smtClean="0"/>
+              <a:rPr lang="es-ES"/>
               <a:t>Segundo nivel</a:t>
             </a:r>
           </a:p>
           <a:p>
             <a:pPr lvl="2"/>
             <a:r>
-              <a:rPr lang="es-ES" smtClean="0"/>
+              <a:rPr lang="es-ES"/>
               <a:t>Tercer nivel</a:t>
             </a:r>
           </a:p>
           <a:p>
             <a:pPr lvl="3"/>
             <a:r>
-              <a:rPr lang="es-ES" smtClean="0"/>
+              <a:rPr lang="es-ES"/>
               <a:t>Cuarto nivel</a:t>
             </a:r>
           </a:p>
           <a:p>
             <a:pPr lvl="4"/>
             <a:r>
-              <a:rPr lang="es-ES" smtClean="0"/>
+              <a:rPr lang="es-ES"/>
               <a:t>Quinto nivel</a:t>
             </a:r>
-            <a:endParaRPr lang="es-ES"/>
           </a:p>
         </p:txBody>
       </p:sp>
@@ -1428,7 +1416,7 @@
           <a:p>
             <a:fld id="{99816BDB-D744-4144-8E99-14325B00ED4B}" type="datetimeFigureOut">
               <a:rPr lang="es-ES" smtClean="0"/>
-              <a:t>24/04/2024</a:t>
+              <a:t>01/12/2025</a:t>
             </a:fld>
             <a:endParaRPr lang="es-ES"/>
           </a:p>
@@ -1527,10 +1515,9 @@
           <a:lstStyle/>
           <a:p>
             <a:r>
-              <a:rPr lang="es-ES" smtClean="0"/>
+              <a:rPr lang="es-ES"/>
               <a:t>Haga clic para modificar el estilo de título del patrón</a:t>
             </a:r>
-            <a:endParaRPr lang="es-ES"/>
           </a:p>
         </p:txBody>
       </p:sp>
@@ -1593,7 +1580,7 @@
           <a:p>
             <a:pPr lvl="0"/>
             <a:r>
-              <a:rPr lang="es-ES" smtClean="0"/>
+              <a:rPr lang="es-ES"/>
               <a:t>Editar el estilo de texto del patrón</a:t>
             </a:r>
           </a:p>
@@ -1621,38 +1608,37 @@
           <a:p>
             <a:pPr lvl="0"/>
             <a:r>
-              <a:rPr lang="es-ES" smtClean="0"/>
+              <a:rPr lang="es-ES"/>
               <a:t>Editar el estilo de texto del patrón</a:t>
             </a:r>
           </a:p>
           <a:p>
             <a:pPr lvl="1"/>
             <a:r>
-              <a:rPr lang="es-ES" smtClean="0"/>
+              <a:rPr lang="es-ES"/>
               <a:t>Segundo nivel</a:t>
             </a:r>
           </a:p>
           <a:p>
             <a:pPr lvl="2"/>
             <a:r>
-              <a:rPr lang="es-ES" smtClean="0"/>
+              <a:rPr lang="es-ES"/>
               <a:t>Tercer nivel</a:t>
             </a:r>
           </a:p>
           <a:p>
             <a:pPr lvl="3"/>
             <a:r>
-              <a:rPr lang="es-ES" smtClean="0"/>
+              <a:rPr lang="es-ES"/>
               <a:t>Cuarto nivel</a:t>
             </a:r>
           </a:p>
           <a:p>
             <a:pPr lvl="4"/>
             <a:r>
-              <a:rPr lang="es-ES" smtClean="0"/>
+              <a:rPr lang="es-ES"/>
               <a:t>Quinto nivel</a:t>
             </a:r>
-            <a:endParaRPr lang="es-ES"/>
           </a:p>
         </p:txBody>
       </p:sp>
@@ -1715,7 +1701,7 @@
           <a:p>
             <a:pPr lvl="0"/>
             <a:r>
-              <a:rPr lang="es-ES" smtClean="0"/>
+              <a:rPr lang="es-ES"/>
               <a:t>Editar el estilo de texto del patrón</a:t>
             </a:r>
           </a:p>
@@ -1743,38 +1729,37 @@
           <a:p>
             <a:pPr lvl="0"/>
             <a:r>
-              <a:rPr lang="es-ES" smtClean="0"/>
+              <a:rPr lang="es-ES"/>
               <a:t>Editar el estilo de texto del patrón</a:t>
             </a:r>
           </a:p>
           <a:p>
             <a:pPr lvl="1"/>
             <a:r>
-              <a:rPr lang="es-ES" smtClean="0"/>
+              <a:rPr lang="es-ES"/>
               <a:t>Segundo nivel</a:t>
             </a:r>
           </a:p>
           <a:p>
             <a:pPr lvl="2"/>
             <a:r>
-              <a:rPr lang="es-ES" smtClean="0"/>
+              <a:rPr lang="es-ES"/>
               <a:t>Tercer nivel</a:t>
             </a:r>
           </a:p>
           <a:p>
             <a:pPr lvl="3"/>
             <a:r>
-              <a:rPr lang="es-ES" smtClean="0"/>
+              <a:rPr lang="es-ES"/>
               <a:t>Cuarto nivel</a:t>
             </a:r>
           </a:p>
           <a:p>
             <a:pPr lvl="4"/>
             <a:r>
-              <a:rPr lang="es-ES" smtClean="0"/>
+              <a:rPr lang="es-ES"/>
               <a:t>Quinto nivel</a:t>
             </a:r>
-            <a:endParaRPr lang="es-ES"/>
           </a:p>
         </p:txBody>
       </p:sp>
@@ -1795,7 +1780,7 @@
           <a:p>
             <a:fld id="{99816BDB-D744-4144-8E99-14325B00ED4B}" type="datetimeFigureOut">
               <a:rPr lang="es-ES" smtClean="0"/>
-              <a:t>24/04/2024</a:t>
+              <a:t>01/12/2025</a:t>
             </a:fld>
             <a:endParaRPr lang="es-ES"/>
           </a:p>
@@ -1889,10 +1874,9 @@
           <a:lstStyle/>
           <a:p>
             <a:r>
-              <a:rPr lang="es-ES" smtClean="0"/>
+              <a:rPr lang="es-ES"/>
               <a:t>Haga clic para modificar el estilo de título del patrón</a:t>
             </a:r>
-            <a:endParaRPr lang="es-ES"/>
           </a:p>
         </p:txBody>
       </p:sp>
@@ -1913,7 +1897,7 @@
           <a:p>
             <a:fld id="{99816BDB-D744-4144-8E99-14325B00ED4B}" type="datetimeFigureOut">
               <a:rPr lang="es-ES" smtClean="0"/>
-              <a:t>24/04/2024</a:t>
+              <a:t>01/12/2025</a:t>
             </a:fld>
             <a:endParaRPr lang="es-ES"/>
           </a:p>
@@ -2008,7 +1992,7 @@
           <a:p>
             <a:fld id="{99816BDB-D744-4144-8E99-14325B00ED4B}" type="datetimeFigureOut">
               <a:rPr lang="es-ES" smtClean="0"/>
-              <a:t>24/04/2024</a:t>
+              <a:t>01/12/2025</a:t>
             </a:fld>
             <a:endParaRPr lang="es-ES"/>
           </a:p>
@@ -2111,10 +2095,9 @@
           </a:lstStyle>
           <a:p>
             <a:r>
-              <a:rPr lang="es-ES" smtClean="0"/>
+              <a:rPr lang="es-ES"/>
               <a:t>Haga clic para modificar el estilo de título del patrón</a:t>
             </a:r>
-            <a:endParaRPr lang="es-ES"/>
           </a:p>
         </p:txBody>
       </p:sp>
@@ -2168,38 +2151,37 @@
           <a:p>
             <a:pPr lvl="0"/>
             <a:r>
-              <a:rPr lang="es-ES" smtClean="0"/>
+              <a:rPr lang="es-ES"/>
               <a:t>Editar el estilo de texto del patrón</a:t>
             </a:r>
           </a:p>
           <a:p>
             <a:pPr lvl="1"/>
             <a:r>
-              <a:rPr lang="es-ES" smtClean="0"/>
+              <a:rPr lang="es-ES"/>
               <a:t>Segundo nivel</a:t>
             </a:r>
           </a:p>
           <a:p>
             <a:pPr lvl="2"/>
             <a:r>
-              <a:rPr lang="es-ES" smtClean="0"/>
+              <a:rPr lang="es-ES"/>
               <a:t>Tercer nivel</a:t>
             </a:r>
           </a:p>
           <a:p>
             <a:pPr lvl="3"/>
             <a:r>
-              <a:rPr lang="es-ES" smtClean="0"/>
+              <a:rPr lang="es-ES"/>
               <a:t>Cuarto nivel</a:t>
             </a:r>
           </a:p>
           <a:p>
             <a:pPr lvl="4"/>
             <a:r>
-              <a:rPr lang="es-ES" smtClean="0"/>
+              <a:rPr lang="es-ES"/>
               <a:t>Quinto nivel</a:t>
             </a:r>
-            <a:endParaRPr lang="es-ES"/>
           </a:p>
         </p:txBody>
       </p:sp>
@@ -2262,7 +2244,7 @@
           <a:p>
             <a:pPr lvl="0"/>
             <a:r>
-              <a:rPr lang="es-ES" smtClean="0"/>
+              <a:rPr lang="es-ES"/>
               <a:t>Editar el estilo de texto del patrón</a:t>
             </a:r>
           </a:p>
@@ -2285,7 +2267,7 @@
           <a:p>
             <a:fld id="{99816BDB-D744-4144-8E99-14325B00ED4B}" type="datetimeFigureOut">
               <a:rPr lang="es-ES" smtClean="0"/>
-              <a:t>24/04/2024</a:t>
+              <a:t>01/12/2025</a:t>
             </a:fld>
             <a:endParaRPr lang="es-ES"/>
           </a:p>
@@ -2388,10 +2370,9 @@
           </a:lstStyle>
           <a:p>
             <a:r>
-              <a:rPr lang="es-ES" smtClean="0"/>
+              <a:rPr lang="es-ES"/>
               <a:t>Haga clic para modificar el estilo de título del patrón</a:t>
             </a:r>
-            <a:endParaRPr lang="es-ES"/>
           </a:p>
         </p:txBody>
       </p:sp>
@@ -2515,7 +2496,7 @@
           <a:p>
             <a:pPr lvl="0"/>
             <a:r>
-              <a:rPr lang="es-ES" smtClean="0"/>
+              <a:rPr lang="es-ES"/>
               <a:t>Editar el estilo de texto del patrón</a:t>
             </a:r>
           </a:p>
@@ -2538,7 +2519,7 @@
           <a:p>
             <a:fld id="{99816BDB-D744-4144-8E99-14325B00ED4B}" type="datetimeFigureOut">
               <a:rPr lang="es-ES" smtClean="0"/>
-              <a:t>24/04/2024</a:t>
+              <a:t>01/12/2025</a:t>
             </a:fld>
             <a:endParaRPr lang="es-ES"/>
           </a:p>
@@ -2647,10 +2628,9 @@
           <a:lstStyle/>
           <a:p>
             <a:r>
-              <a:rPr lang="es-ES" smtClean="0"/>
+              <a:rPr lang="es-ES"/>
               <a:t>Haga clic para modificar el estilo de título del patrón</a:t>
             </a:r>
-            <a:endParaRPr lang="es-ES"/>
           </a:p>
         </p:txBody>
       </p:sp>
@@ -2681,38 +2661,37 @@
           <a:p>
             <a:pPr lvl="0"/>
             <a:r>
-              <a:rPr lang="es-ES" smtClean="0"/>
+              <a:rPr lang="es-ES"/>
               <a:t>Editar el estilo de texto del patrón</a:t>
             </a:r>
           </a:p>
           <a:p>
             <a:pPr lvl="1"/>
             <a:r>
-              <a:rPr lang="es-ES" smtClean="0"/>
+              <a:rPr lang="es-ES"/>
               <a:t>Segundo nivel</a:t>
             </a:r>
           </a:p>
           <a:p>
             <a:pPr lvl="2"/>
             <a:r>
-              <a:rPr lang="es-ES" smtClean="0"/>
+              <a:rPr lang="es-ES"/>
               <a:t>Tercer nivel</a:t>
             </a:r>
           </a:p>
           <a:p>
             <a:pPr lvl="3"/>
             <a:r>
-              <a:rPr lang="es-ES" smtClean="0"/>
+              <a:rPr lang="es-ES"/>
               <a:t>Cuarto nivel</a:t>
             </a:r>
           </a:p>
           <a:p>
             <a:pPr lvl="4"/>
             <a:r>
-              <a:rPr lang="es-ES" smtClean="0"/>
+              <a:rPr lang="es-ES"/>
               <a:t>Quinto nivel</a:t>
             </a:r>
-            <a:endParaRPr lang="es-ES"/>
           </a:p>
         </p:txBody>
       </p:sp>
@@ -2751,7 +2730,7 @@
           <a:p>
             <a:fld id="{99816BDB-D744-4144-8E99-14325B00ED4B}" type="datetimeFigureOut">
               <a:rPr lang="es-ES" smtClean="0"/>
-              <a:t>24/04/2024</a:t>
+              <a:t>01/12/2025</a:t>
             </a:fld>
             <a:endParaRPr lang="es-ES"/>
           </a:p>
@@ -3180,7 +3159,7 @@
           <a:p>
             <a:pPr algn="ctr"/>
             <a:r>
-              <a:rPr lang="es-ES" sz="3600" dirty="0" smtClean="0">
+              <a:rPr lang="es-ES" sz="3600" dirty="0">
                 <a:solidFill>
                   <a:srgbClr val="FF0000"/>
                 </a:solidFill>
@@ -3201,7 +3180,7 @@
           <a:p>
             <a:pPr algn="ctr"/>
             <a:r>
-              <a:rPr lang="es-ES" sz="3600" dirty="0" smtClean="0">
+              <a:rPr lang="es-ES" sz="3600" dirty="0">
                 <a:solidFill>
                   <a:srgbClr val="0070C0"/>
                 </a:solidFill>
@@ -3212,7 +3191,7 @@
           </a:p>
           <a:p>
             <a:pPr algn="ctr"/>
-            <a:endParaRPr lang="es-ES" sz="3600" dirty="0" smtClean="0">
+            <a:endParaRPr lang="es-ES" sz="3600" dirty="0">
               <a:solidFill>
                 <a:srgbClr val="FF0000"/>
               </a:solidFill>
@@ -3222,7 +3201,7 @@
           <a:p>
             <a:pPr algn="ctr"/>
             <a:r>
-              <a:rPr lang="es-ES" sz="3600" dirty="0" err="1" smtClean="0">
+              <a:rPr lang="es-ES" sz="3600" dirty="0" err="1">
                 <a:solidFill>
                   <a:srgbClr val="0070C0"/>
                 </a:solidFill>
@@ -3231,7 +3210,7 @@
               <a:t>Qu</a:t>
             </a:r>
             <a:r>
-              <a:rPr lang="es-ES" sz="3600" dirty="0" err="1" smtClean="0">
+              <a:rPr lang="es-ES" sz="3600" dirty="0" err="1">
                 <a:solidFill>
                   <a:srgbClr val="FF0000"/>
                 </a:solidFill>
@@ -3240,7 +3219,7 @@
               <a:t>antitative</a:t>
             </a:r>
             <a:r>
-              <a:rPr lang="es-ES" sz="3600" dirty="0" smtClean="0">
+              <a:rPr lang="es-ES" sz="3600" dirty="0">
                 <a:solidFill>
                   <a:srgbClr val="FF0000"/>
                 </a:solidFill>
@@ -3249,7 +3228,7 @@
               <a:t> </a:t>
             </a:r>
             <a:r>
-              <a:rPr lang="es-ES" sz="3600" dirty="0" err="1" smtClean="0">
+              <a:rPr lang="es-ES" sz="3600" dirty="0" err="1">
                 <a:solidFill>
                   <a:srgbClr val="0070C0"/>
                 </a:solidFill>
@@ -3258,7 +3237,7 @@
               <a:t>A</a:t>
             </a:r>
             <a:r>
-              <a:rPr lang="es-ES" sz="3600" dirty="0" err="1" smtClean="0">
+              <a:rPr lang="es-ES" sz="3600" dirty="0" err="1">
                 <a:solidFill>
                   <a:srgbClr val="FF0000"/>
                 </a:solidFill>
@@ -3267,7 +3246,7 @@
               <a:t>ssessment</a:t>
             </a:r>
             <a:r>
-              <a:rPr lang="es-ES" sz="3600" dirty="0" smtClean="0">
+              <a:rPr lang="es-ES" sz="3600" dirty="0">
                 <a:solidFill>
                   <a:srgbClr val="FF0000"/>
                 </a:solidFill>
@@ -3276,7 +3255,7 @@
               <a:t> in </a:t>
             </a:r>
             <a:r>
-              <a:rPr lang="es-ES" sz="3600" dirty="0" smtClean="0">
+              <a:rPr lang="es-ES" sz="3600" dirty="0">
                 <a:solidFill>
                   <a:srgbClr val="0070C0"/>
                 </a:solidFill>
@@ -3315,18 +3294,13 @@
           <a:lstStyle/>
           <a:p>
             <a:r>
-              <a:rPr lang="es-ES" dirty="0" smtClean="0">
+              <a:rPr lang="es-ES" dirty="0">
                 <a:solidFill>
                   <a:schemeClr val="tx2"/>
                 </a:solidFill>
               </a:rPr>
               <a:t>maria.soto@ieo.csic.es</a:t>
             </a:r>
-            <a:endParaRPr lang="es-ES" dirty="0">
-              <a:solidFill>
-                <a:schemeClr val="tx2"/>
-              </a:solidFill>
-            </a:endParaRPr>
           </a:p>
         </p:txBody>
       </p:sp>
@@ -3383,10 +3357,9 @@
             <a:lstStyle/>
             <a:p>
               <a:r>
-                <a:rPr lang="es-ES" dirty="0" smtClean="0"/>
+                <a:rPr lang="es-ES" dirty="0"/>
                 <a:t>                                           IEO Madrid, 25 de Abril 2024</a:t>
               </a:r>
-              <a:endParaRPr lang="es-ES" dirty="0"/>
             </a:p>
           </p:txBody>
         </p:sp>
@@ -3433,13 +3406,6 @@
   <p:clrMapOvr>
     <a:masterClrMapping/>
   </p:clrMapOvr>
-  <p:timing>
-    <p:tnLst>
-      <p:par>
-        <p:cTn id="1" dur="indefinite" restart="never" nodeType="tmRoot"/>
-      </p:par>
-    </p:tnLst>
-  </p:timing>
 </p:sld>
 </file>
 
@@ -3500,7 +3466,7 @@
               <a:defRPr/>
             </a:pPr>
             <a:r>
-              <a:rPr kumimoji="0" lang="es-ES" sz="3200" b="0" i="0" u="none" strike="noStrike" kern="1200" cap="none" spc="0" normalizeH="0" baseline="0" noProof="0" dirty="0" smtClean="0">
+              <a:rPr kumimoji="0" lang="es-ES" sz="3200" b="0" i="0" u="none" strike="noStrike" kern="1200" cap="none" spc="0" normalizeH="0" baseline="0" noProof="0" dirty="0">
                 <a:ln>
                   <a:noFill/>
                 </a:ln>
@@ -4097,7 +4063,7 @@
           <a:lstStyle/>
           <a:p>
             <a:r>
-              <a:rPr lang="es-ES" sz="1100" b="1" dirty="0" smtClean="0">
+              <a:rPr lang="es-ES" sz="1100" b="1" dirty="0">
                 <a:solidFill>
                   <a:schemeClr val="tx1">
                     <a:lumMod val="50000"/>
@@ -4107,14 +4073,6 @@
               </a:rPr>
               <a:t>M. GRAZIA PENNINO</a:t>
             </a:r>
-            <a:endParaRPr lang="es-ES" sz="1100" b="1" dirty="0">
-              <a:solidFill>
-                <a:schemeClr val="tx1">
-                  <a:lumMod val="50000"/>
-                  <a:lumOff val="50000"/>
-                </a:schemeClr>
-              </a:solidFill>
-            </a:endParaRPr>
           </a:p>
         </p:txBody>
       </p:sp>
@@ -4141,7 +4099,7 @@
           <a:lstStyle/>
           <a:p>
             <a:r>
-              <a:rPr lang="es-ES" sz="1100" b="1" dirty="0" smtClean="0">
+              <a:rPr lang="es-ES" sz="1100" b="1" dirty="0">
                 <a:solidFill>
                   <a:schemeClr val="tx1">
                     <a:lumMod val="50000"/>
@@ -4151,14 +4109,6 @@
               </a:rPr>
               <a:t>MARÍA SOTO</a:t>
             </a:r>
-            <a:endParaRPr lang="es-ES" sz="1100" b="1" dirty="0">
-              <a:solidFill>
-                <a:schemeClr val="tx1">
-                  <a:lumMod val="50000"/>
-                  <a:lumOff val="50000"/>
-                </a:schemeClr>
-              </a:solidFill>
-            </a:endParaRPr>
           </a:p>
         </p:txBody>
       </p:sp>
@@ -4185,7 +4135,7 @@
           <a:lstStyle/>
           <a:p>
             <a:r>
-              <a:rPr lang="es-ES" sz="1100" b="1" dirty="0" smtClean="0">
+              <a:rPr lang="es-ES" sz="1100" b="1" dirty="0">
                 <a:solidFill>
                   <a:schemeClr val="tx1">
                     <a:lumMod val="50000"/>
@@ -4195,14 +4145,6 @@
               </a:rPr>
               <a:t>LUCÍA RUEDA</a:t>
             </a:r>
-            <a:endParaRPr lang="es-ES" sz="1100" b="1" dirty="0">
-              <a:solidFill>
-                <a:schemeClr val="tx1">
-                  <a:lumMod val="50000"/>
-                  <a:lumOff val="50000"/>
-                </a:schemeClr>
-              </a:solidFill>
-            </a:endParaRPr>
           </a:p>
         </p:txBody>
       </p:sp>
@@ -4229,7 +4171,7 @@
           <a:lstStyle/>
           <a:p>
             <a:r>
-              <a:rPr lang="es-ES" sz="1100" b="1" dirty="0" smtClean="0">
+              <a:rPr lang="es-ES" sz="1100" b="1" dirty="0">
                 <a:solidFill>
                   <a:schemeClr val="tx1">
                     <a:lumMod val="50000"/>
@@ -4239,14 +4181,6 @@
               </a:rPr>
               <a:t>DIANA GONZÁLEZ</a:t>
             </a:r>
-            <a:endParaRPr lang="es-ES" sz="1100" b="1" dirty="0">
-              <a:solidFill>
-                <a:schemeClr val="tx1">
-                  <a:lumMod val="50000"/>
-                  <a:lumOff val="50000"/>
-                </a:schemeClr>
-              </a:solidFill>
-            </a:endParaRPr>
           </a:p>
         </p:txBody>
       </p:sp>
@@ -4273,7 +4207,7 @@
           <a:lstStyle/>
           <a:p>
             <a:r>
-              <a:rPr lang="es-ES" sz="1100" b="1" dirty="0" smtClean="0">
+              <a:rPr lang="es-ES" sz="1100" b="1" dirty="0">
                 <a:solidFill>
                   <a:schemeClr val="tx1">
                     <a:lumMod val="50000"/>
@@ -4283,14 +4217,6 @@
               </a:rPr>
               <a:t>MARGARITA RINCÓN</a:t>
             </a:r>
-            <a:endParaRPr lang="es-ES" sz="1100" b="1" dirty="0">
-              <a:solidFill>
-                <a:schemeClr val="tx1">
-                  <a:lumMod val="50000"/>
-                  <a:lumOff val="50000"/>
-                </a:schemeClr>
-              </a:solidFill>
-            </a:endParaRPr>
           </a:p>
         </p:txBody>
       </p:sp>
@@ -4317,7 +4243,7 @@
           <a:lstStyle/>
           <a:p>
             <a:r>
-              <a:rPr lang="es-ES" sz="1100" b="1" dirty="0" smtClean="0">
+              <a:rPr lang="es-ES" sz="1100" b="1" dirty="0">
                 <a:solidFill>
                   <a:schemeClr val="tx1">
                     <a:lumMod val="50000"/>
@@ -4327,14 +4253,135 @@
               </a:rPr>
               <a:t>PABLO ABAUNZA</a:t>
             </a:r>
-            <a:endParaRPr lang="es-ES" sz="1100" b="1" dirty="0">
-              <a:solidFill>
-                <a:schemeClr val="tx1">
-                  <a:lumMod val="50000"/>
-                  <a:lumOff val="50000"/>
-                </a:schemeClr>
-              </a:solidFill>
-            </a:endParaRPr>
+          </a:p>
+        </p:txBody>
+      </p:sp>
+      <p:pic>
+        <p:nvPicPr>
+          <p:cNvPr id="25" name="Imagen 24">
+            <a:extLst>
+              <a:ext uri="{FF2B5EF4-FFF2-40B4-BE49-F238E27FC236}">
+                <a16:creationId xmlns:a16="http://schemas.microsoft.com/office/drawing/2014/main" id="{D6F435CF-DB77-4758-800C-531927399604}"/>
+              </a:ext>
+            </a:extLst>
+          </p:cNvPr>
+          <p:cNvPicPr>
+            <a:picLocks noChangeAspect="1"/>
+          </p:cNvPicPr>
+          <p:nvPr/>
+        </p:nvPicPr>
+        <p:blipFill rotWithShape="1">
+          <a:blip r:embed="rId9" cstate="print">
+            <a:extLst>
+              <a:ext uri="{28A0092B-C50C-407E-A947-70E740481C1C}">
+                <a14:useLocalDpi xmlns:a14="http://schemas.microsoft.com/office/drawing/2010/main" val="0"/>
+              </a:ext>
+            </a:extLst>
+          </a:blip>
+          <a:srcRect l="19226" r="18227"/>
+          <a:stretch/>
+        </p:blipFill>
+        <p:spPr>
+          <a:xfrm>
+            <a:off x="1075572" y="3057841"/>
+            <a:ext cx="1165685" cy="1284296"/>
+          </a:xfrm>
+          <a:prstGeom prst="rect">
+            <a:avLst/>
+          </a:prstGeom>
+          <a:ln w="57150">
+            <a:solidFill>
+              <a:schemeClr val="tx1">
+                <a:lumMod val="50000"/>
+                <a:lumOff val="50000"/>
+              </a:schemeClr>
+            </a:solidFill>
+          </a:ln>
+        </p:spPr>
+      </p:pic>
+      <p:pic>
+        <p:nvPicPr>
+          <p:cNvPr id="27" name="Imagen 26">
+            <a:extLst>
+              <a:ext uri="{FF2B5EF4-FFF2-40B4-BE49-F238E27FC236}">
+                <a16:creationId xmlns:a16="http://schemas.microsoft.com/office/drawing/2014/main" id="{7EE99158-0D8F-4A99-8EF7-E52213357348}"/>
+              </a:ext>
+            </a:extLst>
+          </p:cNvPr>
+          <p:cNvPicPr>
+            <a:picLocks noChangeAspect="1"/>
+          </p:cNvPicPr>
+          <p:nvPr/>
+        </p:nvPicPr>
+        <p:blipFill>
+          <a:blip r:embed="rId10">
+            <a:extLst>
+              <a:ext uri="{28A0092B-C50C-407E-A947-70E740481C1C}">
+                <a14:useLocalDpi xmlns:a14="http://schemas.microsoft.com/office/drawing/2010/main" val="0"/>
+              </a:ext>
+            </a:extLst>
+          </a:blip>
+          <a:stretch>
+            <a:fillRect/>
+          </a:stretch>
+        </p:blipFill>
+        <p:spPr>
+          <a:xfrm>
+            <a:off x="3395230" y="3072420"/>
+            <a:ext cx="1050788" cy="1284296"/>
+          </a:xfrm>
+          <a:prstGeom prst="rect">
+            <a:avLst/>
+          </a:prstGeom>
+          <a:ln w="57150">
+            <a:solidFill>
+              <a:schemeClr val="tx1">
+                <a:lumMod val="50000"/>
+                <a:lumOff val="50000"/>
+              </a:schemeClr>
+            </a:solidFill>
+          </a:ln>
+        </p:spPr>
+      </p:pic>
+      <p:sp>
+        <p:nvSpPr>
+          <p:cNvPr id="28" name="CuadroTexto 27">
+            <a:extLst>
+              <a:ext uri="{FF2B5EF4-FFF2-40B4-BE49-F238E27FC236}">
+                <a16:creationId xmlns:a16="http://schemas.microsoft.com/office/drawing/2014/main" id="{831B3219-AED2-42BE-9F09-F0F2864AECA0}"/>
+              </a:ext>
+            </a:extLst>
+          </p:cNvPr>
+          <p:cNvSpPr txBox="1"/>
+          <p:nvPr/>
+        </p:nvSpPr>
+        <p:spPr>
+          <a:xfrm>
+            <a:off x="942679" y="4528776"/>
+            <a:ext cx="4316291" cy="261610"/>
+          </a:xfrm>
+          <a:prstGeom prst="rect">
+            <a:avLst/>
+          </a:prstGeom>
+          <a:noFill/>
+        </p:spPr>
+        <p:txBody>
+          <a:bodyPr wrap="square" rtlCol="0">
+            <a:spAutoFit/>
+          </a:bodyPr>
+          <a:lstStyle/>
+          <a:p>
+            <a:r>
+              <a:rPr lang="es-ES" sz="1100" b="1" dirty="0">
+                <a:solidFill>
+                  <a:schemeClr val="tx1">
+                    <a:lumMod val="50000"/>
+                    <a:lumOff val="50000"/>
+                  </a:schemeClr>
+                </a:solidFill>
+              </a:rPr>
+              <a:t>M.JOSE JUAN JORDA                                       LUCIA ARRANZ</a:t>
+            </a:r>
           </a:p>
         </p:txBody>
       </p:sp>
@@ -4348,13 +4395,6 @@
   <p:clrMapOvr>
     <a:masterClrMapping/>
   </p:clrMapOvr>
-  <p:timing>
-    <p:tnLst>
-      <p:par>
-        <p:cTn id="1" dur="indefinite" restart="never" nodeType="tmRoot"/>
-      </p:par>
-    </p:tnLst>
-  </p:timing>
 </p:sld>
 </file>
 
@@ -4415,7 +4455,7 @@
               <a:defRPr/>
             </a:pPr>
             <a:r>
-              <a:rPr lang="es-ES" sz="3200" dirty="0" smtClean="0">
+              <a:rPr lang="es-ES" sz="3200" dirty="0">
                 <a:solidFill>
                   <a:srgbClr val="0070C0"/>
                 </a:solidFill>
@@ -4424,7 +4464,7 @@
               <a:t>EVOLUCIÓN</a:t>
             </a:r>
             <a:r>
-              <a:rPr lang="es-ES" sz="3200" noProof="0" dirty="0" smtClean="0">
+              <a:rPr lang="es-ES" sz="3200" noProof="0" dirty="0">
                 <a:solidFill>
                   <a:srgbClr val="0070C0"/>
                 </a:solidFill>
@@ -4432,7 +4472,7 @@
               </a:rPr>
               <a:t> DEL PROYECTO</a:t>
             </a:r>
-            <a:endParaRPr kumimoji="0" lang="es-ES" sz="3200" b="0" i="0" u="none" strike="noStrike" kern="1200" cap="none" spc="0" normalizeH="0" baseline="0" noProof="0" dirty="0" smtClean="0">
+            <a:endParaRPr kumimoji="0" lang="es-ES" sz="3200" b="0" i="0" u="none" strike="noStrike" kern="1200" cap="none" spc="0" normalizeH="0" baseline="0" noProof="0" dirty="0">
               <a:ln>
                 <a:noFill/>
               </a:ln>
@@ -4557,7 +4597,7 @@
             <a:lstStyle/>
             <a:p>
               <a:r>
-                <a:rPr lang="es-ES" sz="3200" b="1" dirty="0" smtClean="0">
+                <a:rPr lang="es-ES" sz="3200" b="1" dirty="0">
                   <a:solidFill>
                     <a:srgbClr val="FF0000"/>
                   </a:solidFill>
@@ -4600,7 +4640,7 @@
             <a:lstStyle/>
             <a:p>
               <a:r>
-                <a:rPr lang="es-ES" sz="3200" b="1" dirty="0" smtClean="0">
+                <a:rPr lang="es-ES" sz="3200" b="1" dirty="0">
                   <a:solidFill>
                     <a:srgbClr val="FF0000"/>
                   </a:solidFill>
@@ -4643,7 +4683,7 @@
             <a:lstStyle/>
             <a:p>
               <a:r>
-                <a:rPr lang="es-ES" sz="3200" b="1" dirty="0" smtClean="0">
+                <a:rPr lang="es-ES" sz="3200" b="1" dirty="0">
                   <a:solidFill>
                     <a:srgbClr val="FF0000"/>
                   </a:solidFill>
@@ -4686,7 +4726,7 @@
             <a:lstStyle/>
             <a:p>
               <a:r>
-                <a:rPr lang="es-ES" sz="3200" b="1" dirty="0" smtClean="0">
+                <a:rPr lang="es-ES" sz="3200" b="1" dirty="0">
                   <a:solidFill>
                     <a:srgbClr val="FF0000"/>
                   </a:solidFill>
@@ -4729,7 +4769,7 @@
             <a:lstStyle/>
             <a:p>
               <a:r>
-                <a:rPr lang="es-ES" sz="3200" b="1" dirty="0" smtClean="0">
+                <a:rPr lang="es-ES" sz="3200" b="1" dirty="0">
                   <a:solidFill>
                     <a:srgbClr val="FF0000"/>
                   </a:solidFill>
@@ -4772,7 +4812,7 @@
             <a:lstStyle/>
             <a:p>
               <a:r>
-                <a:rPr lang="es-ES" sz="3200" b="1" dirty="0" smtClean="0">
+                <a:rPr lang="es-ES" sz="3200" b="1" dirty="0">
                   <a:solidFill>
                     <a:srgbClr val="FF0000"/>
                   </a:solidFill>
@@ -4815,7 +4855,7 @@
             <a:lstStyle/>
             <a:p>
               <a:r>
-                <a:rPr lang="es-ES" sz="3200" b="1" dirty="0" smtClean="0">
+                <a:rPr lang="es-ES" sz="3200" b="1" dirty="0">
                   <a:solidFill>
                     <a:srgbClr val="FF0000"/>
                   </a:solidFill>
@@ -4858,7 +4898,7 @@
             <a:lstStyle/>
             <a:p>
               <a:r>
-                <a:rPr lang="es-ES" sz="3200" b="1" dirty="0" smtClean="0">
+                <a:rPr lang="es-ES" sz="3200" b="1" dirty="0">
                   <a:solidFill>
                     <a:srgbClr val="FF0000"/>
                   </a:solidFill>
@@ -4901,7 +4941,7 @@
             <a:lstStyle/>
             <a:p>
               <a:r>
-                <a:rPr lang="es-ES" sz="3200" b="1" dirty="0" smtClean="0">
+                <a:rPr lang="es-ES" sz="3200" b="1" dirty="0">
                   <a:solidFill>
                     <a:srgbClr val="FF0000"/>
                   </a:solidFill>
@@ -4942,7 +4982,7 @@
           <a:lstStyle/>
           <a:p>
             <a:r>
-              <a:rPr lang="es-ES" sz="2000" b="1" dirty="0" smtClean="0">
+              <a:rPr lang="es-ES" sz="2000" b="1" dirty="0">
                 <a:solidFill>
                   <a:srgbClr val="0070C0"/>
                 </a:solidFill>
@@ -4981,7 +5021,7 @@
           <a:p>
             <a:pPr algn="ctr"/>
             <a:r>
-              <a:rPr lang="es-ES" sz="2800" b="1" dirty="0" smtClean="0">
+              <a:rPr lang="es-ES" sz="2800" b="1" dirty="0">
                 <a:solidFill>
                   <a:srgbClr val="FF0000"/>
                 </a:solidFill>
@@ -4990,7 +5030,7 @@
               <a:t>?</a:t>
             </a:r>
             <a:r>
-              <a:rPr lang="es-ES" sz="2800" b="1" dirty="0" smtClean="0">
+              <a:rPr lang="es-ES" sz="2800" b="1" dirty="0">
                 <a:solidFill>
                   <a:srgbClr val="FF0000"/>
                 </a:solidFill>
@@ -5001,7 +5041,7 @@
           </a:p>
           <a:p>
             <a:r>
-              <a:rPr lang="es-ES" sz="2800" b="1" dirty="0" smtClean="0">
+              <a:rPr lang="es-ES" sz="2800" b="1" dirty="0">
                 <a:solidFill>
                   <a:srgbClr val="FF0000"/>
                 </a:solidFill>
@@ -5010,7 +5050,7 @@
               <a:t>  Q   </a:t>
             </a:r>
             <a:r>
-              <a:rPr lang="es-ES" sz="2800" b="1" dirty="0" smtClean="0">
+              <a:rPr lang="es-ES" sz="2800" b="1" dirty="0">
                 <a:solidFill>
                   <a:schemeClr val="bg1"/>
                 </a:solidFill>
@@ -5027,50 +5067,41 @@
                 </a:solidFill>
                 <a:latin typeface="Consolas" panose="020B0609020204030204" pitchFamily="49" charset="0"/>
               </a:rPr>
-              <a:t> </a:t>
-            </a:r>
-            <a:r>
-              <a:rPr lang="es-ES" sz="2800" b="1" dirty="0" smtClean="0">
+              <a:t>  U</a:t>
+            </a:r>
+          </a:p>
+          <a:p>
+            <a:r>
+              <a:rPr lang="es-ES" sz="2800" b="1" dirty="0">
                 <a:solidFill>
                   <a:srgbClr val="FF0000"/>
                 </a:solidFill>
                 <a:latin typeface="Consolas" panose="020B0609020204030204" pitchFamily="49" charset="0"/>
               </a:rPr>
-              <a:t> U</a:t>
-            </a:r>
-          </a:p>
-          <a:p>
-            <a:r>
-              <a:rPr lang="es-ES" sz="2800" b="1" dirty="0" smtClean="0">
+              <a:t>  A   Evaluación stocks (</a:t>
+            </a:r>
+            <a:r>
+              <a:rPr lang="es-ES" sz="2800" b="1" dirty="0" err="1">
                 <a:solidFill>
                   <a:srgbClr val="FF0000"/>
                 </a:solidFill>
                 <a:latin typeface="Consolas" panose="020B0609020204030204" pitchFamily="49" charset="0"/>
               </a:rPr>
-              <a:t>  A   Evaluación stocks (</a:t>
-            </a:r>
-            <a:r>
-              <a:rPr lang="es-ES" sz="2800" b="1" dirty="0" err="1" smtClean="0">
+              <a:t>assessment</a:t>
+            </a:r>
+            <a:r>
+              <a:rPr lang="es-ES" sz="2800" b="1" dirty="0">
                 <a:solidFill>
                   <a:srgbClr val="FF0000"/>
                 </a:solidFill>
                 <a:latin typeface="Consolas" panose="020B0609020204030204" pitchFamily="49" charset="0"/>
               </a:rPr>
-              <a:t>assessment</a:t>
-            </a:r>
-            <a:r>
-              <a:rPr lang="es-ES" sz="2800" b="1" dirty="0" smtClean="0">
-                <a:solidFill>
-                  <a:srgbClr val="FF0000"/>
-                </a:solidFill>
-                <a:latin typeface="Consolas" panose="020B0609020204030204" pitchFamily="49" charset="0"/>
-              </a:rPr>
               <a:t>)</a:t>
             </a:r>
           </a:p>
           <a:p>
             <a:r>
-              <a:rPr lang="es-ES" sz="2800" b="1" dirty="0" smtClean="0">
+              <a:rPr lang="es-ES" sz="2800" b="1" dirty="0">
                 <a:solidFill>
                   <a:srgbClr val="FF0000"/>
                 </a:solidFill>
@@ -5109,7 +5140,7 @@
           <a:lstStyle/>
           <a:p>
             <a:r>
-              <a:rPr lang="es-ES" sz="2800" b="1" dirty="0" smtClean="0">
+              <a:rPr lang="es-ES" sz="2800" b="1" dirty="0">
                 <a:solidFill>
                   <a:srgbClr val="FF0000"/>
                 </a:solidFill>
@@ -5118,7 +5149,7 @@
               <a:t>Estadístico-matemático (</a:t>
             </a:r>
             <a:r>
-              <a:rPr lang="es-ES" sz="2800" b="1" dirty="0" err="1" smtClean="0">
+              <a:rPr lang="es-ES" sz="2800" b="1" dirty="0" err="1">
                 <a:solidFill>
                   <a:srgbClr val="FF0000"/>
                 </a:solidFill>
@@ -5127,7 +5158,7 @@
               <a:t>quantitative</a:t>
             </a:r>
             <a:r>
-              <a:rPr lang="es-ES" sz="2800" b="1" dirty="0" smtClean="0">
+              <a:rPr lang="es-ES" sz="2800" b="1" dirty="0">
                 <a:solidFill>
                   <a:srgbClr val="FF0000"/>
                 </a:solidFill>
@@ -5164,14 +5195,11 @@
           <a:lstStyle/>
           <a:p>
             <a:r>
-              <a:rPr lang="es-ES" dirty="0" smtClean="0">
+              <a:rPr lang="es-ES" dirty="0">
                 <a:latin typeface="Consolas" panose="020B0609020204030204" pitchFamily="49" charset="0"/>
               </a:rPr>
               <a:t>2018 actividad de investigación</a:t>
             </a:r>
-            <a:endParaRPr lang="es-ES" dirty="0">
-              <a:latin typeface="Consolas" panose="020B0609020204030204" pitchFamily="49" charset="0"/>
-            </a:endParaRPr>
           </a:p>
         </p:txBody>
       </p:sp>
@@ -5198,20 +5226,19 @@
           <a:lstStyle/>
           <a:p>
             <a:r>
-              <a:rPr lang="es-ES" dirty="0" smtClean="0"/>
+              <a:rPr lang="es-ES" dirty="0"/>
               <a:t>2019 </a:t>
             </a:r>
             <a:r>
-              <a:rPr lang="es-ES" dirty="0" smtClean="0">
+              <a:rPr lang="es-ES" dirty="0">
                 <a:latin typeface="Consolas" panose="020B0609020204030204" pitchFamily="49" charset="0"/>
               </a:rPr>
               <a:t>Proyecto</a:t>
             </a:r>
             <a:r>
-              <a:rPr lang="es-ES" dirty="0" smtClean="0"/>
+              <a:rPr lang="es-ES" dirty="0"/>
               <a:t> IEO</a:t>
             </a:r>
-            <a:endParaRPr lang="es-ES" dirty="0"/>
           </a:p>
         </p:txBody>
       </p:sp>
@@ -5238,14 +5265,11 @@
           <a:lstStyle/>
           <a:p>
             <a:r>
-              <a:rPr lang="es-ES" dirty="0" smtClean="0">
+              <a:rPr lang="es-ES" dirty="0">
                 <a:latin typeface="Consolas" panose="020B0609020204030204" pitchFamily="49" charset="0"/>
               </a:rPr>
               <a:t>2022 PIE</a:t>
             </a:r>
-            <a:endParaRPr lang="es-ES" dirty="0">
-              <a:latin typeface="Consolas" panose="020B0609020204030204" pitchFamily="49" charset="0"/>
-            </a:endParaRPr>
           </a:p>
         </p:txBody>
       </p:sp>
@@ -5302,14 +5326,11 @@
           <a:lstStyle/>
           <a:p>
             <a:r>
-              <a:rPr lang="es-ES" dirty="0" smtClean="0">
+              <a:rPr lang="es-ES" dirty="0">
                 <a:latin typeface="Consolas" panose="020B0609020204030204" pitchFamily="49" charset="0"/>
               </a:rPr>
               <a:t>2024 PNDB</a:t>
             </a:r>
-            <a:endParaRPr lang="es-ES" dirty="0">
-              <a:latin typeface="Consolas" panose="020B0609020204030204" pitchFamily="49" charset="0"/>
-            </a:endParaRPr>
           </a:p>
         </p:txBody>
       </p:sp>
@@ -5643,13 +5664,6 @@
   <p:clrMapOvr>
     <a:masterClrMapping/>
   </p:clrMapOvr>
-  <p:timing>
-    <p:tnLst>
-      <p:par>
-        <p:cTn id="1" dur="indefinite" restart="never" nodeType="tmRoot"/>
-      </p:par>
-    </p:tnLst>
-  </p:timing>
 </p:sld>
 </file>
 
@@ -5710,7 +5724,7 @@
               <a:defRPr/>
             </a:pPr>
             <a:r>
-              <a:rPr lang="es-ES" sz="2800" dirty="0" err="1" smtClean="0">
+              <a:rPr lang="es-ES" sz="2800" dirty="0" err="1">
                 <a:solidFill>
                   <a:srgbClr val="0070C0"/>
                 </a:solidFill>
@@ -5718,7 +5732,7 @@
               </a:rPr>
               <a:t>ToRs</a:t>
             </a:r>
-            <a:endParaRPr lang="es-ES" sz="2000" dirty="0" smtClean="0">
+            <a:endParaRPr lang="es-ES" sz="2000" dirty="0">
               <a:solidFill>
                 <a:srgbClr val="0070C0"/>
               </a:solidFill>
@@ -5743,7 +5757,7 @@
               <a:tabLst/>
               <a:defRPr/>
             </a:pPr>
-            <a:endParaRPr lang="es-ES" dirty="0" smtClean="0">
+            <a:endParaRPr lang="es-ES" dirty="0">
               <a:solidFill>
                 <a:prstClr val="black"/>
               </a:solidFill>
@@ -5769,7 +5783,7 @@
               <a:defRPr/>
             </a:pPr>
             <a:r>
-              <a:rPr lang="es-ES" u="sng" dirty="0" smtClean="0">
+              <a:rPr lang="es-ES" u="sng" dirty="0">
                 <a:solidFill>
                   <a:prstClr val="black"/>
                 </a:solidFill>
@@ -5789,16 +5803,7 @@
                 </a:solidFill>
                 <a:latin typeface="Consolas" panose="020B0609020204030204" pitchFamily="49" charset="0"/>
               </a:rPr>
-              <a:t>Modelos de </a:t>
-            </a:r>
-            <a:r>
-              <a:rPr lang="es-ES" dirty="0" smtClean="0">
-                <a:solidFill>
-                  <a:prstClr val="black"/>
-                </a:solidFill>
-                <a:latin typeface="Consolas" panose="020B0609020204030204" pitchFamily="49" charset="0"/>
-              </a:rPr>
-              <a:t>evaluación: DRS, DLS</a:t>
+              <a:t>Modelos de evaluación: DRS, DLS</a:t>
             </a:r>
           </a:p>
           <a:p>
@@ -5806,14 +5811,17 @@
               <a:defRPr/>
             </a:pPr>
             <a:r>
-              <a:rPr lang="es-ES" dirty="0" smtClean="0">
+              <a:rPr lang="es-ES" dirty="0">
                 <a:solidFill>
                   <a:prstClr val="black"/>
                 </a:solidFill>
                 <a:latin typeface="Consolas" panose="020B0609020204030204" pitchFamily="49" charset="0"/>
               </a:rPr>
-              <a:t>Simulación </a:t>
-            </a:r>
+              <a:t>Simulación de incertidumbre en datos</a:t>
+            </a:r>
+          </a:p>
+          <a:p>
+            <a:pPr lvl="0"/>
             <a:r>
               <a:rPr lang="es-ES" dirty="0">
                 <a:solidFill>
@@ -5821,49 +5829,22 @@
                 </a:solidFill>
                 <a:latin typeface="Consolas" panose="020B0609020204030204" pitchFamily="49" charset="0"/>
               </a:rPr>
-              <a:t>de </a:t>
-            </a:r>
-            <a:r>
-              <a:rPr lang="es-ES" dirty="0" smtClean="0">
+              <a:t>Evaluación y gestión: MSE</a:t>
+            </a:r>
+          </a:p>
+          <a:p>
+            <a:pPr lvl="0"/>
+            <a:r>
+              <a:rPr lang="es-ES" dirty="0" err="1">
                 <a:solidFill>
                   <a:prstClr val="black"/>
                 </a:solidFill>
                 <a:latin typeface="Consolas" panose="020B0609020204030204" pitchFamily="49" charset="0"/>
               </a:rPr>
-              <a:t>incertidumbre en datos</a:t>
-            </a:r>
-            <a:endParaRPr lang="es-ES" dirty="0">
-              <a:solidFill>
-                <a:prstClr val="black"/>
-              </a:solidFill>
-              <a:latin typeface="Consolas" panose="020B0609020204030204" pitchFamily="49" charset="0"/>
-            </a:endParaRPr>
-          </a:p>
-          <a:p>
-            <a:pPr lvl="0"/>
-            <a:r>
-              <a:rPr lang="es-ES" dirty="0" smtClean="0">
-                <a:solidFill>
-                  <a:prstClr val="black"/>
-                </a:solidFill>
-                <a:latin typeface="Consolas" panose="020B0609020204030204" pitchFamily="49" charset="0"/>
-              </a:rPr>
-              <a:t>Evaluación y gestión: MSE</a:t>
-            </a:r>
-          </a:p>
-          <a:p>
-            <a:pPr lvl="0"/>
-            <a:r>
-              <a:rPr lang="es-ES" dirty="0" err="1" smtClean="0">
-                <a:solidFill>
-                  <a:prstClr val="black"/>
-                </a:solidFill>
-                <a:latin typeface="Consolas" panose="020B0609020204030204" pitchFamily="49" charset="0"/>
-              </a:rPr>
               <a:t>ModelizacióN</a:t>
             </a:r>
             <a:r>
-              <a:rPr lang="es-ES" dirty="0" smtClean="0">
+              <a:rPr lang="es-ES" dirty="0">
                 <a:solidFill>
                   <a:prstClr val="black"/>
                 </a:solidFill>
@@ -5891,7 +5872,7 @@
               <a:defRPr/>
             </a:pPr>
             <a:r>
-              <a:rPr lang="es-ES" dirty="0" smtClean="0">
+              <a:rPr lang="es-ES" dirty="0">
                 <a:solidFill>
                   <a:prstClr val="black"/>
                 </a:solidFill>
@@ -5900,7 +5881,7 @@
               <a:t>Estandarización de </a:t>
             </a:r>
             <a:r>
-              <a:rPr lang="es-ES" dirty="0" err="1" smtClean="0">
+              <a:rPr lang="es-ES" dirty="0" err="1">
                 <a:solidFill>
                   <a:prstClr val="black"/>
                 </a:solidFill>
@@ -5908,7 +5889,7 @@
               </a:rPr>
               <a:t>CPUEs</a:t>
             </a:r>
-            <a:endParaRPr lang="es-ES" dirty="0" smtClean="0">
+            <a:endParaRPr lang="es-ES" dirty="0">
               <a:solidFill>
                 <a:prstClr val="black"/>
               </a:solidFill>
@@ -5934,7 +5915,7 @@
               <a:defRPr/>
             </a:pPr>
             <a:r>
-              <a:rPr lang="es-ES" dirty="0" smtClean="0">
+              <a:rPr lang="es-ES" dirty="0">
                 <a:solidFill>
                   <a:prstClr val="black"/>
                 </a:solidFill>
@@ -5962,7 +5943,7 @@
               <a:defRPr/>
             </a:pPr>
             <a:r>
-              <a:rPr lang="es-ES" dirty="0" err="1" smtClean="0">
+              <a:rPr lang="es-ES" dirty="0" err="1">
                 <a:solidFill>
                   <a:prstClr val="black"/>
                 </a:solidFill>
@@ -5971,7 +5952,7 @@
               <a:t>Life</a:t>
             </a:r>
             <a:r>
-              <a:rPr lang="es-ES" dirty="0" smtClean="0">
+              <a:rPr lang="es-ES" dirty="0">
                 <a:solidFill>
                   <a:prstClr val="black"/>
                 </a:solidFill>
@@ -5980,7 +5961,7 @@
               <a:t> </a:t>
             </a:r>
             <a:r>
-              <a:rPr lang="es-ES" dirty="0" err="1" smtClean="0">
+              <a:rPr lang="es-ES" dirty="0" err="1">
                 <a:solidFill>
                   <a:prstClr val="black"/>
                 </a:solidFill>
@@ -5989,7 +5970,7 @@
               <a:t>history</a:t>
             </a:r>
             <a:r>
-              <a:rPr lang="es-ES" dirty="0" smtClean="0">
+              <a:rPr lang="es-ES" dirty="0">
                 <a:solidFill>
                   <a:prstClr val="black"/>
                 </a:solidFill>
@@ -5998,7 +5979,7 @@
               <a:t> </a:t>
             </a:r>
             <a:r>
-              <a:rPr lang="es-ES" dirty="0" err="1" smtClean="0">
+              <a:rPr lang="es-ES" dirty="0" err="1">
                 <a:solidFill>
                   <a:prstClr val="black"/>
                 </a:solidFill>
@@ -6006,7 +5987,7 @@
               </a:rPr>
               <a:t>traits</a:t>
             </a:r>
-            <a:endParaRPr lang="es-ES" dirty="0" smtClean="0">
+            <a:endParaRPr lang="es-ES" dirty="0">
               <a:solidFill>
                 <a:prstClr val="black"/>
               </a:solidFill>
@@ -6032,7 +6013,7 @@
               <a:defRPr/>
             </a:pPr>
             <a:r>
-              <a:rPr lang="es-ES" dirty="0" smtClean="0">
+              <a:rPr lang="es-ES" dirty="0">
                 <a:solidFill>
                   <a:prstClr val="black"/>
                 </a:solidFill>
@@ -6060,7 +6041,7 @@
               <a:defRPr/>
             </a:pPr>
             <a:r>
-              <a:rPr lang="es-ES" dirty="0" smtClean="0">
+              <a:rPr lang="es-ES" dirty="0">
                 <a:solidFill>
                   <a:prstClr val="black"/>
                 </a:solidFill>
@@ -6088,7 +6069,7 @@
               <a:defRPr/>
             </a:pPr>
             <a:r>
-              <a:rPr lang="es-ES" dirty="0" smtClean="0">
+              <a:rPr lang="es-ES" dirty="0">
                 <a:solidFill>
                   <a:prstClr val="black"/>
                 </a:solidFill>
@@ -6116,7 +6097,7 @@
               <a:defRPr/>
             </a:pPr>
             <a:r>
-              <a:rPr lang="es-ES" dirty="0" smtClean="0">
+              <a:rPr lang="es-ES" dirty="0">
                 <a:solidFill>
                   <a:prstClr val="black"/>
                 </a:solidFill>
@@ -6144,7 +6125,7 @@
               <a:defRPr/>
             </a:pPr>
             <a:r>
-              <a:rPr lang="es-ES" dirty="0" smtClean="0">
+              <a:rPr lang="es-ES" dirty="0">
                 <a:solidFill>
                   <a:prstClr val="black"/>
                 </a:solidFill>
@@ -6172,7 +6153,7 @@
               <a:defRPr/>
             </a:pPr>
             <a:r>
-              <a:rPr lang="es-ES" dirty="0" smtClean="0">
+              <a:rPr lang="es-ES" dirty="0">
                 <a:solidFill>
                   <a:prstClr val="black"/>
                 </a:solidFill>
@@ -6200,7 +6181,7 @@
               <a:defRPr/>
             </a:pPr>
             <a:r>
-              <a:rPr lang="es-ES" dirty="0" smtClean="0">
+              <a:rPr lang="es-ES" dirty="0">
                 <a:solidFill>
                   <a:prstClr val="black"/>
                 </a:solidFill>
@@ -6228,7 +6209,7 @@
               <a:defRPr/>
             </a:pPr>
             <a:r>
-              <a:rPr lang="es-ES" dirty="0" smtClean="0">
+              <a:rPr lang="es-ES" dirty="0">
                 <a:solidFill>
                   <a:prstClr val="black"/>
                 </a:solidFill>
@@ -6269,7 +6250,7 @@
               <a:defRPr/>
             </a:pPr>
             <a:r>
-              <a:rPr lang="es-ES" dirty="0" smtClean="0">
+              <a:rPr lang="es-ES" dirty="0">
                 <a:solidFill>
                   <a:prstClr val="black"/>
                 </a:solidFill>
@@ -6278,47 +6259,13 @@
               <a:t>R </a:t>
             </a:r>
             <a:r>
-              <a:rPr lang="es-ES" dirty="0" err="1" smtClean="0">
+              <a:rPr lang="es-ES" dirty="0" err="1">
                 <a:solidFill>
                   <a:prstClr val="black"/>
                 </a:solidFill>
                 <a:latin typeface="Consolas" panose="020B0609020204030204" pitchFamily="49" charset="0"/>
               </a:rPr>
               <a:t>packages</a:t>
-            </a:r>
-            <a:endParaRPr lang="es-ES" dirty="0" smtClean="0">
-              <a:solidFill>
-                <a:prstClr val="black"/>
-              </a:solidFill>
-              <a:latin typeface="Consolas" panose="020B0609020204030204" pitchFamily="49" charset="0"/>
-            </a:endParaRPr>
-          </a:p>
-          <a:p>
-            <a:pPr lvl="0">
-              <a:defRPr/>
-            </a:pPr>
-            <a:r>
-              <a:rPr lang="es-ES" dirty="0" smtClean="0">
-                <a:solidFill>
-                  <a:prstClr val="black"/>
-                </a:solidFill>
-                <a:latin typeface="Consolas" panose="020B0609020204030204" pitchFamily="49" charset="0"/>
-              </a:rPr>
-              <a:t>Intercambio y desarrollo de scripts R</a:t>
-            </a:r>
-          </a:p>
-          <a:p>
-            <a:pPr lvl="0">
-              <a:defRPr/>
-            </a:pPr>
-            <a:r>
-              <a:rPr lang="es-ES" dirty="0" smtClean="0">
-                <a:solidFill>
-                  <a:prstClr val="black"/>
-                </a:solidFill>
-                <a:latin typeface="Consolas" panose="020B0609020204030204" pitchFamily="49" charset="0"/>
-              </a:rPr>
-              <a:t>WG: Métodos de evaluación y Datos Espaciales</a:t>
             </a:r>
             <a:endParaRPr lang="es-ES" dirty="0">
               <a:solidFill>
@@ -6338,16 +6285,7 @@
                 </a:solidFill>
                 <a:latin typeface="Consolas" panose="020B0609020204030204" pitchFamily="49" charset="0"/>
               </a:rPr>
-              <a:t>Formación y </a:t>
-            </a:r>
-            <a:r>
-              <a:rPr lang="es-ES" dirty="0" smtClean="0">
-                <a:solidFill>
-                  <a:prstClr val="black"/>
-                </a:solidFill>
-                <a:latin typeface="Consolas" panose="020B0609020204030204" pitchFamily="49" charset="0"/>
-              </a:rPr>
-              <a:t>talleres PNDB</a:t>
+              <a:t>Intercambio y desarrollo de scripts R</a:t>
             </a:r>
           </a:p>
           <a:p>
@@ -6355,16 +6293,44 @@
               <a:defRPr/>
             </a:pPr>
             <a:r>
-              <a:rPr lang="es-ES" dirty="0" smtClean="0">
+              <a:rPr lang="es-ES" dirty="0">
                 <a:solidFill>
                   <a:prstClr val="black"/>
                 </a:solidFill>
                 <a:latin typeface="Consolas" panose="020B0609020204030204" pitchFamily="49" charset="0"/>
               </a:rPr>
+              <a:t>WG: Métodos de evaluación y Datos Espaciales</a:t>
+            </a:r>
+          </a:p>
+          <a:p>
+            <a:pPr lvl="0">
+              <a:defRPr/>
+            </a:pPr>
+            <a:r>
+              <a:rPr lang="es-ES" dirty="0">
+                <a:solidFill>
+                  <a:prstClr val="black"/>
+                </a:solidFill>
+                <a:latin typeface="Consolas" panose="020B0609020204030204" pitchFamily="49" charset="0"/>
+              </a:rPr>
+              <a:t>Formación y talleres PNDB</a:t>
+            </a:r>
+          </a:p>
+          <a:p>
+            <a:pPr lvl="0">
+              <a:defRPr/>
+            </a:pPr>
+            <a:r>
+              <a:rPr lang="es-ES" dirty="0">
+                <a:solidFill>
+                  <a:prstClr val="black"/>
+                </a:solidFill>
+                <a:latin typeface="Consolas" panose="020B0609020204030204" pitchFamily="49" charset="0"/>
+              </a:rPr>
               <a:t>Difusión (publicaciones, </a:t>
             </a:r>
             <a:r>
-              <a:rPr lang="es-ES" dirty="0" err="1" smtClean="0">
+              <a:rPr lang="es-ES" dirty="0" err="1">
                 <a:solidFill>
                   <a:prstClr val="black"/>
                 </a:solidFill>
@@ -6373,7 +6339,7 @@
               <a:t>github</a:t>
             </a:r>
             <a:r>
-              <a:rPr lang="es-ES" dirty="0" smtClean="0">
+              <a:rPr lang="es-ES" dirty="0">
                 <a:solidFill>
                   <a:prstClr val="black"/>
                 </a:solidFill>
@@ -6381,12 +6347,6 @@
               </a:rPr>
               <a:t>, RRSS)</a:t>
             </a:r>
-            <a:endParaRPr lang="es-ES" dirty="0">
-              <a:solidFill>
-                <a:prstClr val="black"/>
-              </a:solidFill>
-              <a:latin typeface="Consolas" panose="020B0609020204030204" pitchFamily="49" charset="0"/>
-            </a:endParaRPr>
           </a:p>
         </p:txBody>
       </p:sp>
@@ -6547,7 +6507,7 @@
               <a:defRPr/>
             </a:pPr>
             <a:r>
-              <a:rPr lang="es-ES" sz="2800" dirty="0" smtClean="0">
+              <a:rPr lang="es-ES" sz="2800" dirty="0">
                 <a:solidFill>
                   <a:srgbClr val="0070C0"/>
                 </a:solidFill>
@@ -6574,13 +6534,6 @@
   <p:clrMapOvr>
     <a:masterClrMapping/>
   </p:clrMapOvr>
-  <p:timing>
-    <p:tnLst>
-      <p:par>
-        <p:cTn id="1" dur="indefinite" restart="never" nodeType="tmRoot"/>
-      </p:par>
-    </p:tnLst>
-  </p:timing>
 </p:sld>
 </file>
 
@@ -6641,7 +6594,7 @@
               <a:defRPr/>
             </a:pPr>
             <a:r>
-              <a:rPr lang="es-ES" sz="2400" dirty="0" smtClean="0">
+              <a:rPr lang="es-ES" sz="2400" dirty="0">
                 <a:solidFill>
                   <a:srgbClr val="0070C0"/>
                 </a:solidFill>
@@ -6649,7 +6602,7 @@
               </a:rPr>
               <a:t>QUAR dentro del SISTEMA PESQUERO</a:t>
             </a:r>
-            <a:endParaRPr kumimoji="0" lang="es-ES" sz="2400" b="0" i="0" u="none" strike="noStrike" kern="1200" cap="none" spc="0" normalizeH="0" baseline="0" noProof="0" dirty="0" smtClean="0">
+            <a:endParaRPr kumimoji="0" lang="es-ES" sz="2400" b="0" i="0" u="none" strike="noStrike" kern="1200" cap="none" spc="0" normalizeH="0" baseline="0" noProof="0" dirty="0">
               <a:ln>
                 <a:noFill/>
               </a:ln>
@@ -6843,18 +6796,13 @@
               <a:p>
                 <a:pPr algn="ctr"/>
                 <a:r>
-                  <a:rPr lang="es-ES" sz="2000" b="1" dirty="0" smtClean="0">
+                  <a:rPr lang="es-ES" sz="2000" b="1" dirty="0">
                     <a:solidFill>
                       <a:srgbClr val="002060"/>
                     </a:solidFill>
                   </a:rPr>
                   <a:t>SISTEMA PESQUERO</a:t>
                 </a:r>
-                <a:endParaRPr lang="es-ES" sz="2000" b="1" dirty="0">
-                  <a:solidFill>
-                    <a:srgbClr val="002060"/>
-                  </a:solidFill>
-                </a:endParaRPr>
               </a:p>
             </p:txBody>
           </p:sp>
@@ -6895,18 +6843,13 @@
                 <a:lstStyle/>
                 <a:p>
                   <a:r>
-                    <a:rPr lang="es-ES" b="1" dirty="0" smtClean="0">
+                    <a:rPr lang="es-ES" b="1" dirty="0">
                       <a:solidFill>
                         <a:srgbClr val="CC0000"/>
                       </a:solidFill>
                     </a:rPr>
                     <a:t>PESQUERÍAS</a:t>
                   </a:r>
-                  <a:endParaRPr lang="es-ES" b="1" dirty="0">
-                    <a:solidFill>
-                      <a:srgbClr val="CC0000"/>
-                    </a:solidFill>
-                  </a:endParaRPr>
                 </a:p>
               </p:txBody>
             </p:sp>
@@ -6933,18 +6876,13 @@
                 <a:lstStyle/>
                 <a:p>
                   <a:r>
-                    <a:rPr lang="es-ES" b="1" dirty="0" smtClean="0">
+                    <a:rPr lang="es-ES" b="1" dirty="0">
                       <a:solidFill>
                         <a:srgbClr val="C00000"/>
                       </a:solidFill>
                     </a:rPr>
                     <a:t>DATOS</a:t>
                   </a:r>
-                  <a:endParaRPr lang="es-ES" b="1" dirty="0">
-                    <a:solidFill>
-                      <a:srgbClr val="C00000"/>
-                    </a:solidFill>
-                  </a:endParaRPr>
                 </a:p>
               </p:txBody>
             </p:sp>
@@ -6972,18 +6910,13 @@
                 <a:p>
                   <a:pPr algn="ctr"/>
                   <a:r>
-                    <a:rPr lang="es-ES" b="1" dirty="0" smtClean="0">
+                    <a:rPr lang="es-ES" b="1" dirty="0">
                       <a:solidFill>
                         <a:srgbClr val="C00000"/>
                       </a:solidFill>
                     </a:rPr>
                     <a:t>EVALUACIÓN &amp; ASESORAMIENTO</a:t>
                   </a:r>
-                  <a:endParaRPr lang="es-ES" b="1" dirty="0">
-                    <a:solidFill>
-                      <a:srgbClr val="C00000"/>
-                    </a:solidFill>
-                  </a:endParaRPr>
                 </a:p>
               </p:txBody>
             </p:sp>
@@ -7010,18 +6943,13 @@
                 <a:lstStyle/>
                 <a:p>
                   <a:r>
-                    <a:rPr lang="es-ES" b="1" dirty="0" smtClean="0">
+                    <a:rPr lang="es-ES" b="1" dirty="0">
                       <a:solidFill>
                         <a:srgbClr val="C00000"/>
                       </a:solidFill>
                     </a:rPr>
                     <a:t>CUMPLIMIENTO</a:t>
                   </a:r>
-                  <a:endParaRPr lang="es-ES" b="1" dirty="0">
-                    <a:solidFill>
-                      <a:srgbClr val="C00000"/>
-                    </a:solidFill>
-                  </a:endParaRPr>
                 </a:p>
               </p:txBody>
             </p:sp>
@@ -7274,10 +7202,9 @@
             <a:lstStyle/>
             <a:p>
               <a:r>
-                <a:rPr lang="es-ES" sz="3200" dirty="0" smtClean="0"/>
+                <a:rPr lang="es-ES" sz="3200" dirty="0"/>
                 <a:t>QUAR</a:t>
               </a:r>
-              <a:endParaRPr lang="es-ES" sz="3200" dirty="0"/>
             </a:p>
           </p:txBody>
         </p:sp>
@@ -7482,10 +7409,9 @@
           <a:lstStyle/>
           <a:p>
             <a:r>
-              <a:rPr lang="es-ES" sz="3200" dirty="0" smtClean="0"/>
+              <a:rPr lang="es-ES" sz="3200" dirty="0"/>
               <a:t>STOCKS PNDB</a:t>
             </a:r>
-            <a:endParaRPr lang="es-ES" sz="3200" dirty="0"/>
           </a:p>
         </p:txBody>
       </p:sp>
@@ -7545,13 +7471,6 @@
   <p:clrMapOvr>
     <a:masterClrMapping/>
   </p:clrMapOvr>
-  <p:timing>
-    <p:tnLst>
-      <p:par>
-        <p:cTn id="1" dur="indefinite" restart="never" nodeType="tmRoot"/>
-      </p:par>
-    </p:tnLst>
-  </p:timing>
 </p:sld>
 </file>
 
@@ -7612,7 +7531,7 @@
               <a:defRPr/>
             </a:pPr>
             <a:r>
-              <a:rPr lang="es-ES" sz="2400" noProof="0" dirty="0" smtClean="0">
+              <a:rPr lang="es-ES" sz="2400" noProof="0" dirty="0">
                 <a:solidFill>
                   <a:srgbClr val="0070C0"/>
                 </a:solidFill>
@@ -7621,7 +7540,7 @@
               <a:t>INTERACCIÓN</a:t>
             </a:r>
             <a:r>
-              <a:rPr kumimoji="0" lang="es-ES" sz="2400" b="0" i="0" u="none" strike="noStrike" kern="1200" cap="none" spc="0" normalizeH="0" baseline="0" noProof="0" dirty="0" smtClean="0">
+              <a:rPr kumimoji="0" lang="es-ES" sz="2400" b="0" i="0" u="none" strike="noStrike" kern="1200" cap="none" spc="0" normalizeH="0" baseline="0" noProof="0" dirty="0">
                 <a:ln>
                   <a:noFill/>
                 </a:ln>
@@ -7684,7 +7603,7 @@
                 <a:defRPr/>
               </a:pPr>
               <a:r>
-                <a:rPr lang="es-ES" dirty="0" smtClean="0">
+                <a:rPr lang="es-ES" dirty="0">
                   <a:solidFill>
                     <a:srgbClr val="0070C0"/>
                   </a:solidFill>
@@ -7693,7 +7612,7 @@
                 <a:t>QUAR PROYECTO</a:t>
               </a:r>
               <a:r>
-                <a:rPr lang="es-ES" sz="2000" dirty="0" smtClean="0">
+                <a:rPr lang="es-ES" sz="2000" dirty="0">
                   <a:solidFill>
                     <a:srgbClr val="0070C0"/>
                   </a:solidFill>
@@ -7702,7 +7621,7 @@
                 <a:t> </a:t>
               </a:r>
               <a:r>
-                <a:rPr lang="es-ES" dirty="0" smtClean="0">
+                <a:rPr lang="es-ES" dirty="0">
                   <a:solidFill>
                     <a:srgbClr val="0070C0"/>
                   </a:solidFill>
@@ -7716,7 +7635,7 @@
                 <a:defRPr/>
               </a:pPr>
               <a:r>
-                <a:rPr lang="es-ES" dirty="0" smtClean="0">
+                <a:rPr lang="es-ES" dirty="0">
                   <a:solidFill>
                     <a:srgbClr val="0070C0"/>
                   </a:solidFill>
@@ -7740,7 +7659,7 @@
               <a:pPr lvl="0" algn="ctr">
                 <a:defRPr/>
               </a:pPr>
-              <a:endParaRPr lang="es-ES" dirty="0" smtClean="0">
+              <a:endParaRPr lang="es-ES" dirty="0">
                 <a:solidFill>
                   <a:srgbClr val="0070C0"/>
                 </a:solidFill>
@@ -8146,7 +8065,7 @@
               <a:defRPr/>
             </a:pPr>
             <a:r>
-              <a:rPr lang="es-ES" dirty="0" smtClean="0">
+              <a:rPr lang="es-ES" dirty="0">
                 <a:solidFill>
                   <a:srgbClr val="0070C0"/>
                 </a:solidFill>
@@ -8155,7 +8074,7 @@
               <a:t>PROYECTOS</a:t>
             </a:r>
             <a:r>
-              <a:rPr lang="es-ES" sz="2000" dirty="0" smtClean="0">
+              <a:rPr lang="es-ES" sz="2000" dirty="0">
                 <a:solidFill>
                   <a:srgbClr val="0070C0"/>
                 </a:solidFill>
@@ -8164,7 +8083,7 @@
               <a:t> </a:t>
             </a:r>
             <a:r>
-              <a:rPr lang="es-ES" dirty="0" smtClean="0">
+              <a:rPr lang="es-ES" dirty="0">
                 <a:solidFill>
                   <a:srgbClr val="0070C0"/>
                 </a:solidFill>
@@ -8173,7 +8092,7 @@
               <a:t>PNDB </a:t>
             </a:r>
             <a:r>
-              <a:rPr lang="es-ES" sz="1600" dirty="0" smtClean="0">
+              <a:rPr lang="es-ES" sz="1600" dirty="0">
                 <a:solidFill>
                   <a:prstClr val="black"/>
                 </a:solidFill>
@@ -8187,7 +8106,7 @@
               <a:defRPr/>
             </a:pPr>
             <a:r>
-              <a:rPr lang="es-ES" dirty="0" smtClean="0">
+              <a:rPr lang="es-ES" dirty="0">
                 <a:solidFill>
                   <a:srgbClr val="0070C0"/>
                 </a:solidFill>
@@ -8196,7 +8115,7 @@
               <a:t>REUNIONES PNDB</a:t>
             </a:r>
             <a:r>
-              <a:rPr lang="es-ES" dirty="0" smtClean="0">
+              <a:rPr lang="es-ES" dirty="0">
                 <a:solidFill>
                   <a:prstClr val="black"/>
                 </a:solidFill>
@@ -8205,7 +8124,7 @@
               <a:t> E</a:t>
             </a:r>
             <a:r>
-              <a:rPr lang="es-ES" sz="1600" dirty="0" smtClean="0">
+              <a:rPr lang="es-ES" sz="1600" dirty="0">
                 <a:solidFill>
                   <a:prstClr val="black"/>
                 </a:solidFill>
@@ -8213,7 +8132,7 @@
               </a:rPr>
               <a:t>valuación de especies, Comités científicos, Grupos de métodos, otros WG relacionados con evaluación</a:t>
             </a:r>
-            <a:endParaRPr lang="es-ES" dirty="0" smtClean="0">
+            <a:endParaRPr lang="es-ES" dirty="0">
               <a:solidFill>
                 <a:prstClr val="black"/>
               </a:solidFill>
@@ -8252,7 +8171,7 @@
               <a:defRPr/>
             </a:pPr>
             <a:r>
-              <a:rPr lang="es-ES" dirty="0" smtClean="0">
+              <a:rPr lang="es-ES" dirty="0">
                 <a:solidFill>
                   <a:srgbClr val="0070C0"/>
                 </a:solidFill>
@@ -8261,7 +8180,7 @@
               <a:t>R </a:t>
             </a:r>
             <a:r>
-              <a:rPr lang="es-ES" dirty="0" err="1" smtClean="0">
+              <a:rPr lang="es-ES" dirty="0" err="1">
                 <a:solidFill>
                   <a:srgbClr val="0070C0"/>
                 </a:solidFill>
@@ -8269,7 +8188,7 @@
               </a:rPr>
               <a:t>packages</a:t>
             </a:r>
-            <a:endParaRPr lang="es-ES" dirty="0" smtClean="0">
+            <a:endParaRPr lang="es-ES" dirty="0">
               <a:solidFill>
                 <a:prstClr val="black"/>
               </a:solidFill>
@@ -8281,7 +8200,7 @@
               <a:defRPr/>
             </a:pPr>
             <a:r>
-              <a:rPr lang="es-ES" sz="1600" dirty="0" smtClean="0">
+              <a:rPr lang="es-ES" sz="1600" dirty="0">
                 <a:solidFill>
                   <a:srgbClr val="0070C0"/>
                 </a:solidFill>
@@ -8290,7 +8209,7 @@
               <a:t>Evaluación stocks y pesca</a:t>
             </a:r>
             <a:r>
-              <a:rPr lang="es-ES" dirty="0" smtClean="0">
+              <a:rPr lang="es-ES" dirty="0">
                 <a:solidFill>
                   <a:prstClr val="black"/>
                 </a:solidFill>
@@ -8299,7 +8218,7 @@
               <a:t> </a:t>
             </a:r>
             <a:r>
-              <a:rPr lang="es-ES" sz="1600" dirty="0" err="1" smtClean="0">
+              <a:rPr lang="es-ES" sz="1600" dirty="0" err="1">
                 <a:solidFill>
                   <a:prstClr val="black"/>
                 </a:solidFill>
@@ -8308,7 +8227,7 @@
               <a:t>FLBeia</a:t>
             </a:r>
             <a:r>
-              <a:rPr lang="es-ES" sz="1600" dirty="0" smtClean="0">
+              <a:rPr lang="es-ES" sz="1600" dirty="0">
                 <a:solidFill>
                   <a:prstClr val="black"/>
                 </a:solidFill>
@@ -8317,7 +8236,7 @@
               <a:t>, FLR, </a:t>
             </a:r>
             <a:r>
-              <a:rPr lang="es-ES" sz="1600" dirty="0" err="1" smtClean="0">
+              <a:rPr lang="es-ES" sz="1600" dirty="0" err="1">
                 <a:solidFill>
                   <a:prstClr val="black"/>
                 </a:solidFill>
@@ -8326,7 +8245,7 @@
               <a:t>SPiCT</a:t>
             </a:r>
             <a:r>
-              <a:rPr lang="es-ES" sz="1600" dirty="0" smtClean="0">
+              <a:rPr lang="es-ES" sz="1600" dirty="0">
                 <a:solidFill>
                   <a:prstClr val="black"/>
                 </a:solidFill>
@@ -8338,31 +8257,25 @@
               <a:rPr lang="es-ES" sz="1600" dirty="0">
                 <a:latin typeface="Consolas" panose="020B0609020204030204" pitchFamily="49" charset="0"/>
               </a:rPr>
-              <a:t> </a:t>
-            </a:r>
-            <a:r>
-              <a:rPr lang="es-ES" sz="1600" dirty="0" smtClean="0">
-                <a:latin typeface="Consolas" panose="020B0609020204030204" pitchFamily="49" charset="0"/>
-              </a:rPr>
-              <a:t>LBI</a:t>
+              <a:t> LBI, LBSPR, </a:t>
+            </a:r>
+            <a:r>
+              <a:rPr lang="es-ES" sz="1600" dirty="0" err="1">
+                <a:latin typeface="Consolas" panose="020B0609020204030204" pitchFamily="49" charset="0"/>
+              </a:rPr>
+              <a:t>BycatchEstimator</a:t>
             </a:r>
             <a:r>
               <a:rPr lang="es-ES" sz="1600" dirty="0">
                 <a:latin typeface="Consolas" panose="020B0609020204030204" pitchFamily="49" charset="0"/>
               </a:rPr>
-              <a:t>,</a:t>
-            </a:r>
-            <a:r>
-              <a:rPr lang="es-ES" sz="1600" dirty="0" smtClean="0">
-                <a:latin typeface="Consolas" panose="020B0609020204030204" pitchFamily="49" charset="0"/>
-              </a:rPr>
-              <a:t> LBSPR, </a:t>
+              <a:t>, </a:t>
             </a:r>
             <a:r>
               <a:rPr lang="es-ES" sz="1600" dirty="0" err="1">
                 <a:latin typeface="Consolas" panose="020B0609020204030204" pitchFamily="49" charset="0"/>
               </a:rPr>
-              <a:t>BycatchEstimator</a:t>
+              <a:t>sizeMat</a:t>
             </a:r>
             <a:r>
               <a:rPr lang="es-ES" sz="1600" dirty="0">
@@ -8374,7 +8287,7 @@
               <a:rPr lang="es-ES" sz="1600" dirty="0" err="1">
                 <a:latin typeface="Consolas" panose="020B0609020204030204" pitchFamily="49" charset="0"/>
               </a:rPr>
-              <a:t>sizeMat</a:t>
+              <a:t>openMSE</a:t>
             </a:r>
             <a:r>
               <a:rPr lang="es-ES" sz="1600" dirty="0">
@@ -8386,7 +8299,7 @@
               <a:rPr lang="es-ES" sz="1600" dirty="0" err="1">
                 <a:latin typeface="Consolas" panose="020B0609020204030204" pitchFamily="49" charset="0"/>
               </a:rPr>
-              <a:t>openMSE</a:t>
+              <a:t>nswo-mse</a:t>
             </a:r>
             <a:r>
               <a:rPr lang="es-ES" sz="1600" dirty="0">
@@ -8398,79 +8311,49 @@
               <a:rPr lang="es-ES" sz="1600" dirty="0" err="1">
                 <a:latin typeface="Consolas" panose="020B0609020204030204" pitchFamily="49" charset="0"/>
               </a:rPr>
-              <a:t>nswo-mse</a:t>
+              <a:t>abft-mse</a:t>
             </a:r>
             <a:r>
               <a:rPr lang="es-ES" sz="1600" dirty="0">
                 <a:latin typeface="Consolas" panose="020B0609020204030204" pitchFamily="49" charset="0"/>
               </a:rPr>
+              <a:t>, a4a, gadget3, gadget2, r4ss, </a:t>
+            </a:r>
+            <a:r>
+              <a:rPr lang="es-ES" sz="1600" dirty="0" err="1">
+                <a:latin typeface="Consolas" panose="020B0609020204030204" pitchFamily="49" charset="0"/>
+              </a:rPr>
+              <a:t>VMStools</a:t>
+            </a:r>
+            <a:r>
+              <a:rPr lang="es-ES" sz="1600" dirty="0">
+                <a:latin typeface="Consolas" panose="020B0609020204030204" pitchFamily="49" charset="0"/>
+              </a:rPr>
               <a:t>, </a:t>
             </a:r>
             <a:r>
-              <a:rPr lang="es-ES" sz="1600" dirty="0" err="1" smtClean="0">
-                <a:latin typeface="Consolas" panose="020B0609020204030204" pitchFamily="49" charset="0"/>
-              </a:rPr>
-              <a:t>abft-mse</a:t>
-            </a:r>
-            <a:r>
-              <a:rPr lang="es-ES" sz="1600" dirty="0" smtClean="0">
-                <a:latin typeface="Consolas" panose="020B0609020204030204" pitchFamily="49" charset="0"/>
-              </a:rPr>
-              <a:t>, a4a, </a:t>
+              <a:rPr lang="es-ES" sz="1600" dirty="0" err="1">
+                <a:latin typeface="Consolas" panose="020B0609020204030204" pitchFamily="49" charset="0"/>
+              </a:rPr>
+              <a:t>FishTrop</a:t>
             </a:r>
             <a:r>
               <a:rPr lang="es-ES" sz="1600" dirty="0">
                 <a:latin typeface="Consolas" panose="020B0609020204030204" pitchFamily="49" charset="0"/>
               </a:rPr>
-              <a:t>gadget3, gadget2, </a:t>
-            </a:r>
-            <a:r>
-              <a:rPr lang="es-ES" sz="1600" dirty="0" smtClean="0">
-                <a:latin typeface="Consolas" panose="020B0609020204030204" pitchFamily="49" charset="0"/>
-              </a:rPr>
-              <a:t>r4ss, </a:t>
-            </a:r>
-            <a:r>
-              <a:rPr lang="es-ES" sz="1600" dirty="0" err="1" smtClean="0">
-                <a:latin typeface="Consolas" panose="020B0609020204030204" pitchFamily="49" charset="0"/>
-              </a:rPr>
-              <a:t>VMStools</a:t>
+              <a:t>, </a:t>
+            </a:r>
+            <a:r>
+              <a:rPr lang="es-ES" sz="1600" dirty="0" err="1">
+                <a:latin typeface="Consolas" panose="020B0609020204030204" pitchFamily="49" charset="0"/>
+              </a:rPr>
+              <a:t>FLCore</a:t>
             </a:r>
             <a:r>
               <a:rPr lang="es-ES" sz="1600" dirty="0">
                 <a:latin typeface="Consolas" panose="020B0609020204030204" pitchFamily="49" charset="0"/>
               </a:rPr>
-              <a:t>, </a:t>
-            </a:r>
-            <a:r>
-              <a:rPr lang="es-ES" sz="1600" dirty="0" err="1" smtClean="0">
-                <a:latin typeface="Consolas" panose="020B0609020204030204" pitchFamily="49" charset="0"/>
-              </a:rPr>
-              <a:t>FishTrop</a:t>
-            </a:r>
-            <a:r>
-              <a:rPr lang="es-ES" sz="1600" dirty="0">
-                <a:latin typeface="Consolas" panose="020B0609020204030204" pitchFamily="49" charset="0"/>
-              </a:rPr>
-              <a:t>, </a:t>
-            </a:r>
-            <a:r>
-              <a:rPr lang="es-ES" sz="1600" dirty="0" err="1" smtClean="0">
-                <a:latin typeface="Consolas" panose="020B0609020204030204" pitchFamily="49" charset="0"/>
-              </a:rPr>
-              <a:t>FLCore</a:t>
-            </a:r>
-            <a:r>
-              <a:rPr lang="es-ES" sz="1600" dirty="0">
-                <a:latin typeface="Consolas" panose="020B0609020204030204" pitchFamily="49" charset="0"/>
-              </a:rPr>
-              <a:t>, </a:t>
-            </a:r>
-            <a:r>
-              <a:rPr lang="es-ES" sz="1600" dirty="0" smtClean="0">
-                <a:latin typeface="Consolas" panose="020B0609020204030204" pitchFamily="49" charset="0"/>
-              </a:rPr>
-              <a:t>FLBRP, etc.</a:t>
+              <a:t>, FLBRP, etc.</a:t>
             </a:r>
           </a:p>
           <a:p>
@@ -8478,7 +8361,7 @@
               <a:defRPr/>
             </a:pPr>
             <a:r>
-              <a:rPr lang="es-ES" sz="1600" dirty="0" smtClean="0">
+              <a:rPr lang="es-ES" sz="1600" dirty="0">
                 <a:solidFill>
                   <a:srgbClr val="0070C0"/>
                 </a:solidFill>
@@ -8487,7 +8370,7 @@
               <a:t>Estadísticos</a:t>
             </a:r>
             <a:r>
-              <a:rPr lang="es-ES" dirty="0" smtClean="0"/>
+              <a:rPr lang="es-ES" dirty="0"/>
               <a:t> </a:t>
             </a:r>
             <a:r>
@@ -8524,27 +8407,21 @@
               <a:rPr lang="es-ES" sz="1600" dirty="0">
                 <a:latin typeface="Consolas" panose="020B0609020204030204" pitchFamily="49" charset="0"/>
               </a:rPr>
-              <a:t>, </a:t>
-            </a:r>
-            <a:r>
-              <a:rPr lang="es-ES" sz="1600" dirty="0" smtClean="0">
-                <a:latin typeface="Consolas" panose="020B0609020204030204" pitchFamily="49" charset="0"/>
-              </a:rPr>
-              <a:t>eR2WINBUGS, </a:t>
-            </a:r>
-            <a:r>
-              <a:rPr lang="es-ES" sz="1600" dirty="0" err="1" smtClean="0">
+              <a:t>, eR2WINBUGS, </a:t>
+            </a:r>
+            <a:r>
+              <a:rPr lang="es-ES" sz="1600" dirty="0" err="1">
                 <a:latin typeface="Consolas" panose="020B0609020204030204" pitchFamily="49" charset="0"/>
               </a:rPr>
               <a:t>rjags</a:t>
             </a:r>
             <a:r>
-              <a:rPr lang="es-ES" sz="1600" dirty="0" smtClean="0">
+              <a:rPr lang="es-ES" sz="1600" dirty="0">
                 <a:latin typeface="Consolas" panose="020B0609020204030204" pitchFamily="49" charset="0"/>
               </a:rPr>
               <a:t>, etc.</a:t>
             </a:r>
-            <a:endParaRPr lang="es-ES" dirty="0" smtClean="0">
+            <a:endParaRPr lang="es-ES" dirty="0">
               <a:latin typeface="Consolas" panose="020B0609020204030204" pitchFamily="49" charset="0"/>
             </a:endParaRPr>
           </a:p>
@@ -8553,7 +8430,7 @@
               <a:defRPr/>
             </a:pPr>
             <a:r>
-              <a:rPr lang="es-ES" sz="1600" dirty="0" smtClean="0">
+              <a:rPr lang="es-ES" sz="1600" dirty="0">
                 <a:solidFill>
                   <a:srgbClr val="0070C0"/>
                 </a:solidFill>
@@ -8562,11 +8439,11 @@
               <a:t>Espaciales</a:t>
             </a:r>
             <a:r>
-              <a:rPr lang="es-ES" dirty="0" smtClean="0"/>
+              <a:rPr lang="es-ES" dirty="0"/>
               <a:t> </a:t>
             </a:r>
             <a:r>
-              <a:rPr lang="es-ES" sz="1600" dirty="0" err="1" smtClean="0">
+              <a:rPr lang="es-ES" sz="1600" dirty="0" err="1">
                 <a:latin typeface="Consolas" panose="020B0609020204030204" pitchFamily="49" charset="0"/>
               </a:rPr>
               <a:t>sdmTMB</a:t>
@@ -8575,25 +8452,37 @@
               <a:rPr lang="es-ES" sz="1600" dirty="0">
                 <a:latin typeface="Consolas" panose="020B0609020204030204" pitchFamily="49" charset="0"/>
               </a:rPr>
+              <a:t>, INLA, </a:t>
+            </a:r>
+            <a:r>
+              <a:rPr lang="es-ES" sz="1600" dirty="0" err="1">
+                <a:latin typeface="Consolas" panose="020B0609020204030204" pitchFamily="49" charset="0"/>
+              </a:rPr>
+              <a:t>sf</a:t>
+            </a:r>
+            <a:r>
+              <a:rPr lang="es-ES" sz="1600" dirty="0">
+                <a:latin typeface="Consolas" panose="020B0609020204030204" pitchFamily="49" charset="0"/>
+              </a:rPr>
               <a:t>, </a:t>
             </a:r>
             <a:r>
-              <a:rPr lang="es-ES" sz="1600" dirty="0" smtClean="0">
-                <a:latin typeface="Consolas" panose="020B0609020204030204" pitchFamily="49" charset="0"/>
-              </a:rPr>
-              <a:t>INLA,</a:t>
+              <a:rPr lang="es-ES" sz="1600" dirty="0" err="1">
+                <a:latin typeface="Consolas" panose="020B0609020204030204" pitchFamily="49" charset="0"/>
+              </a:rPr>
+              <a:t>rnaturalearth</a:t>
             </a:r>
             <a:r>
               <a:rPr lang="es-ES" sz="1600" dirty="0">
                 <a:latin typeface="Consolas" panose="020B0609020204030204" pitchFamily="49" charset="0"/>
               </a:rPr>
-              <a:t> </a:t>
+              <a:t>, </a:t>
             </a:r>
             <a:r>
               <a:rPr lang="es-ES" sz="1600" dirty="0" err="1">
                 <a:latin typeface="Consolas" panose="020B0609020204030204" pitchFamily="49" charset="0"/>
               </a:rPr>
-              <a:t>sf</a:t>
+              <a:t>maps</a:t>
             </a:r>
             <a:r>
               <a:rPr lang="es-ES" sz="1600" dirty="0">
@@ -8605,93 +8494,51 @@
               <a:rPr lang="es-ES" sz="1600" dirty="0" err="1">
                 <a:latin typeface="Consolas" panose="020B0609020204030204" pitchFamily="49" charset="0"/>
               </a:rPr>
-              <a:t>rnaturalearth</a:t>
-            </a:r>
-            <a:r>
-              <a:rPr lang="es-ES" sz="1600" dirty="0" smtClean="0">
-                <a:latin typeface="Consolas" panose="020B0609020204030204" pitchFamily="49" charset="0"/>
-              </a:rPr>
-              <a:t>,</a:t>
+              <a:t>rgeos</a:t>
             </a:r>
             <a:r>
               <a:rPr lang="es-ES" sz="1600" dirty="0">
                 <a:latin typeface="Consolas" panose="020B0609020204030204" pitchFamily="49" charset="0"/>
               </a:rPr>
-              <a:t> </a:t>
+              <a:t>, </a:t>
             </a:r>
             <a:r>
               <a:rPr lang="es-ES" sz="1600" dirty="0" err="1">
                 <a:latin typeface="Consolas" panose="020B0609020204030204" pitchFamily="49" charset="0"/>
               </a:rPr>
-              <a:t>maps</a:t>
+              <a:t>marmap</a:t>
             </a:r>
             <a:r>
               <a:rPr lang="es-ES" sz="1600" dirty="0">
                 <a:latin typeface="Consolas" panose="020B0609020204030204" pitchFamily="49" charset="0"/>
               </a:rPr>
-              <a:t>,</a:t>
-            </a:r>
-            <a:r>
-              <a:rPr lang="es-ES" sz="1600" dirty="0" smtClean="0">
-                <a:latin typeface="Consolas" panose="020B0609020204030204" pitchFamily="49" charset="0"/>
-              </a:rPr>
-              <a:t> </a:t>
+              <a:t>, </a:t>
             </a:r>
             <a:r>
               <a:rPr lang="es-ES" sz="1600" dirty="0" err="1">
                 <a:latin typeface="Consolas" panose="020B0609020204030204" pitchFamily="49" charset="0"/>
               </a:rPr>
-              <a:t>rgeos</a:t>
-            </a:r>
-            <a:r>
-              <a:rPr lang="es-ES" sz="1600" dirty="0" smtClean="0">
+              <a:t>rnaturalearthdata</a:t>
+            </a:r>
+            <a:r>
+              <a:rPr lang="es-ES" sz="1600" dirty="0">
                 <a:latin typeface="Consolas" panose="020B0609020204030204" pitchFamily="49" charset="0"/>
               </a:rPr>
               <a:t>, </a:t>
             </a:r>
             <a:r>
-              <a:rPr lang="es-ES" sz="1600" dirty="0" err="1" smtClean="0">
-                <a:latin typeface="Consolas" panose="020B0609020204030204" pitchFamily="49" charset="0"/>
-              </a:rPr>
-              <a:t>marmap</a:t>
-            </a:r>
-            <a:r>
-              <a:rPr lang="es-ES" sz="1600" dirty="0" smtClean="0">
-                <a:latin typeface="Consolas" panose="020B0609020204030204" pitchFamily="49" charset="0"/>
-              </a:rPr>
-              <a:t>, </a:t>
-            </a:r>
-            <a:r>
-              <a:rPr lang="es-ES" sz="1600" dirty="0" err="1" smtClean="0">
-                <a:latin typeface="Consolas" panose="020B0609020204030204" pitchFamily="49" charset="0"/>
-              </a:rPr>
-              <a:t>rnaturalearthdata</a:t>
+              <a:rPr lang="es-ES" sz="1600" dirty="0" err="1">
+                <a:latin typeface="Consolas" panose="020B0609020204030204" pitchFamily="49" charset="0"/>
+              </a:rPr>
+              <a:t>rgdal</a:t>
             </a:r>
             <a:r>
               <a:rPr lang="es-ES" sz="1600" dirty="0">
                 <a:latin typeface="Consolas" panose="020B0609020204030204" pitchFamily="49" charset="0"/>
               </a:rPr>
-              <a:t>, </a:t>
-            </a:r>
-            <a:r>
-              <a:rPr lang="es-ES" sz="1600" dirty="0" err="1" smtClean="0">
-                <a:latin typeface="Consolas" panose="020B0609020204030204" pitchFamily="49" charset="0"/>
-              </a:rPr>
-              <a:t>rgdal</a:t>
-            </a:r>
-            <a:r>
-              <a:rPr lang="es-ES" sz="1600" dirty="0">
-                <a:latin typeface="Consolas" panose="020B0609020204030204" pitchFamily="49" charset="0"/>
-              </a:rPr>
-              <a:t>, </a:t>
-            </a:r>
-            <a:r>
-              <a:rPr lang="es-ES" sz="1600" dirty="0" smtClean="0">
-                <a:latin typeface="Consolas" panose="020B0609020204030204" pitchFamily="49" charset="0"/>
-              </a:rPr>
-              <a:t>etc.</a:t>
-            </a:r>
-            <a:endParaRPr lang="es-ES" dirty="0" smtClean="0">
+              <a:t>, etc.</a:t>
+            </a:r>
+            <a:endParaRPr lang="es-ES" dirty="0">
               <a:solidFill>
                 <a:prstClr val="black"/>
               </a:solidFill>
@@ -8730,7 +8577,7 @@
               <a:defRPr/>
             </a:pPr>
             <a:r>
-              <a:rPr lang="es-ES" dirty="0" smtClean="0">
+              <a:rPr lang="es-ES" dirty="0">
                 <a:solidFill>
                   <a:srgbClr val="0070C0"/>
                 </a:solidFill>
@@ -8739,7 +8586,7 @@
               <a:t>ORPS</a:t>
             </a:r>
             <a:r>
-              <a:rPr lang="es-ES" dirty="0" smtClean="0">
+              <a:rPr lang="es-ES" dirty="0">
                 <a:solidFill>
                   <a:prstClr val="black"/>
                 </a:solidFill>
@@ -8748,7 +8595,7 @@
               <a:t> </a:t>
             </a:r>
             <a:r>
-              <a:rPr lang="es-ES" sz="1600" dirty="0" smtClean="0">
+              <a:rPr lang="es-ES" sz="1600" dirty="0">
                 <a:solidFill>
                   <a:prstClr val="black"/>
                 </a:solidFill>
@@ -8762,7 +8609,7 @@
               <a:defRPr/>
             </a:pPr>
             <a:r>
-              <a:rPr lang="es-ES" dirty="0" smtClean="0">
+              <a:rPr lang="es-ES" dirty="0">
                 <a:solidFill>
                   <a:srgbClr val="0070C0"/>
                 </a:solidFill>
@@ -8771,7 +8618,7 @@
               <a:t>STOCKS</a:t>
             </a:r>
             <a:r>
-              <a:rPr lang="es-ES" dirty="0" smtClean="0">
+              <a:rPr lang="es-ES" dirty="0">
                 <a:solidFill>
                   <a:prstClr val="black"/>
                 </a:solidFill>
@@ -8780,7 +8627,7 @@
               <a:t> </a:t>
             </a:r>
             <a:r>
-              <a:rPr lang="es-ES" sz="1600" dirty="0" err="1" smtClean="0">
+              <a:rPr lang="es-ES" sz="1600" dirty="0" err="1">
                 <a:solidFill>
                   <a:prstClr val="black"/>
                 </a:solidFill>
@@ -8789,13 +8636,22 @@
               <a:t>Balacao</a:t>
             </a:r>
             <a:r>
-              <a:rPr lang="es-ES" sz="1600" dirty="0" smtClean="0">
+              <a:rPr lang="es-ES" sz="1600" dirty="0">
                 <a:solidFill>
                   <a:prstClr val="black"/>
                 </a:solidFill>
                 <a:latin typeface="Consolas" panose="020B0609020204030204" pitchFamily="49" charset="0"/>
               </a:rPr>
-              <a:t> NAFO, Anchoa, sardina, jurel y pesquerías mixtas </a:t>
+              <a:t> NAFO, Anchoa, sardina, jurel y pesquerías mixtas 9a, lenguado 8c y 9a ICES, atún rojo, pez espada, </a:t>
+            </a:r>
+            <a:r>
+              <a:rPr lang="es-ES" sz="1600" dirty="0" err="1">
+                <a:solidFill>
+                  <a:prstClr val="black"/>
+                </a:solidFill>
+                <a:latin typeface="Consolas" panose="020B0609020204030204" pitchFamily="49" charset="0"/>
+              </a:rPr>
+              <a:t>túnidos</a:t>
             </a:r>
             <a:r>
               <a:rPr lang="es-ES" sz="1600" dirty="0">
@@ -8804,59 +8660,26 @@
                 </a:solidFill>
                 <a:latin typeface="Consolas" panose="020B0609020204030204" pitchFamily="49" charset="0"/>
               </a:rPr>
-              <a:t>9</a:t>
-            </a:r>
-            <a:r>
-              <a:rPr lang="es-ES" sz="1600" dirty="0" smtClean="0">
+              <a:t> tropicales, atún blanco de ICCAT, </a:t>
+            </a:r>
+            <a:r>
+              <a:rPr lang="es-ES" sz="1600" dirty="0" err="1">
                 <a:solidFill>
                   <a:prstClr val="black"/>
                 </a:solidFill>
                 <a:latin typeface="Consolas" panose="020B0609020204030204" pitchFamily="49" charset="0"/>
               </a:rPr>
-              <a:t>a, lenguado 8c y 9a ICES, atún rojo, pez espada, </a:t>
-            </a:r>
-            <a:r>
-              <a:rPr lang="es-ES" sz="1600" dirty="0" err="1" smtClean="0">
+              <a:t>túnidos</a:t>
+            </a:r>
+            <a:r>
+              <a:rPr lang="es-ES" sz="1600" dirty="0">
                 <a:solidFill>
                   <a:prstClr val="black"/>
                 </a:solidFill>
                 <a:latin typeface="Consolas" panose="020B0609020204030204" pitchFamily="49" charset="0"/>
               </a:rPr>
-              <a:t>túnidos</a:t>
-            </a:r>
-            <a:r>
-              <a:rPr lang="es-ES" sz="1600" dirty="0" smtClean="0">
-                <a:solidFill>
-                  <a:prstClr val="black"/>
-                </a:solidFill>
-                <a:latin typeface="Consolas" panose="020B0609020204030204" pitchFamily="49" charset="0"/>
-              </a:rPr>
-              <a:t> tropicales, atún blanco de ICCAT, </a:t>
-            </a:r>
-            <a:r>
-              <a:rPr lang="es-ES" sz="1600" dirty="0" err="1" smtClean="0">
-                <a:solidFill>
-                  <a:prstClr val="black"/>
-                </a:solidFill>
-                <a:latin typeface="Consolas" panose="020B0609020204030204" pitchFamily="49" charset="0"/>
-              </a:rPr>
-              <a:t>túnidos</a:t>
-            </a:r>
-            <a:r>
-              <a:rPr lang="es-ES" sz="1600" dirty="0" smtClean="0">
-                <a:solidFill>
-                  <a:prstClr val="black"/>
-                </a:solidFill>
-                <a:latin typeface="Consolas" panose="020B0609020204030204" pitchFamily="49" charset="0"/>
-              </a:rPr>
               <a:t> tropicales IOTC, voraz CGPM, merluzas negras, palometa, descartes CECAF</a:t>
             </a:r>
-            <a:endParaRPr lang="es-ES" sz="1600" dirty="0">
-              <a:solidFill>
-                <a:prstClr val="black"/>
-              </a:solidFill>
-              <a:latin typeface="Consolas" panose="020B0609020204030204" pitchFamily="49" charset="0"/>
-            </a:endParaRPr>
           </a:p>
         </p:txBody>
       </p:sp>
@@ -9124,67 +8947,37 @@
           <a:lstStyle/>
           <a:p>
             <a:r>
-              <a:rPr lang="es-ES" dirty="0" smtClean="0">
+              <a:rPr lang="es-ES" dirty="0">
                 <a:solidFill>
                   <a:srgbClr val="0070C0"/>
                 </a:solidFill>
               </a:rPr>
-              <a:t>EQUIPO </a:t>
-            </a:r>
-            <a:r>
-              <a:rPr lang="es-ES" dirty="0" smtClean="0">
-                <a:solidFill>
-                  <a:srgbClr val="0070C0"/>
-                </a:solidFill>
-              </a:rPr>
-              <a:t>REFERENTE EN EL IEO-PESCA</a:t>
-            </a:r>
-            <a:endParaRPr lang="es-ES" dirty="0" smtClean="0">
-              <a:solidFill>
-                <a:srgbClr val="0070C0"/>
-              </a:solidFill>
-            </a:endParaRPr>
-          </a:p>
-          <a:p>
-            <a:r>
-              <a:rPr lang="es-ES" dirty="0" smtClean="0"/>
-              <a:t>alto </a:t>
-            </a:r>
+              <a:t>EQUIPO REFERENTE EN EL IEO-PESCA</a:t>
+            </a:r>
+          </a:p>
+          <a:p>
             <a:r>
               <a:rPr lang="es-ES" dirty="0"/>
-              <a:t>conocimiento matemático, </a:t>
-            </a:r>
-            <a:r>
-              <a:rPr lang="es-ES" dirty="0" smtClean="0"/>
-              <a:t>estadístico y </a:t>
-            </a:r>
-          </a:p>
-          <a:p>
-            <a:r>
-              <a:rPr lang="es-ES" dirty="0" smtClean="0"/>
+              <a:t>alto conocimiento matemático, estadístico y </a:t>
+            </a:r>
+          </a:p>
+          <a:p>
+            <a:r>
+              <a:rPr lang="es-ES" dirty="0"/>
               <a:t>computacional al servicio del PNDB con </a:t>
             </a:r>
           </a:p>
           <a:p>
             <a:r>
-              <a:rPr lang="es-ES" dirty="0" smtClean="0"/>
+              <a:rPr lang="es-ES" dirty="0"/>
               <a:t>capacidad de afrontar los retos metodológicos </a:t>
             </a:r>
           </a:p>
           <a:p>
             <a:r>
-              <a:rPr lang="es-ES" dirty="0" smtClean="0"/>
-              <a:t>en </a:t>
-            </a:r>
-            <a:r>
               <a:rPr lang="es-ES" dirty="0"/>
-              <a:t>evaluación de </a:t>
-            </a:r>
-            <a:r>
-              <a:rPr lang="es-ES" dirty="0" smtClean="0"/>
-              <a:t>stocks</a:t>
-            </a:r>
-            <a:endParaRPr lang="es-ES" dirty="0"/>
+              <a:t>en evaluación de stocks</a:t>
+            </a:r>
           </a:p>
         </p:txBody>
       </p:sp>
@@ -9198,13 +8991,6 @@
   <p:clrMapOvr>
     <a:masterClrMapping/>
   </p:clrMapOvr>
-  <p:timing>
-    <p:tnLst>
-      <p:par>
-        <p:cTn id="1" dur="indefinite" restart="never" nodeType="tmRoot"/>
-      </p:par>
-    </p:tnLst>
-  </p:timing>
 </p:sld>
 </file>
 
@@ -9292,7 +9078,7 @@
               <a:defRPr/>
             </a:pPr>
             <a:r>
-              <a:rPr lang="es-ES" dirty="0" smtClean="0">
+              <a:rPr lang="es-ES" dirty="0">
                 <a:solidFill>
                   <a:srgbClr val="0070C0"/>
                 </a:solidFill>
@@ -9301,7 +9087,7 @@
               <a:t>QUAR </a:t>
             </a:r>
             <a:r>
-              <a:rPr kumimoji="0" lang="es-ES" sz="1800" b="0" i="0" u="none" strike="noStrike" kern="1200" cap="none" spc="0" normalizeH="0" baseline="0" noProof="0" dirty="0" smtClean="0">
+              <a:rPr kumimoji="0" lang="es-ES" sz="1800" b="0" i="0" u="none" strike="noStrike" kern="1200" cap="none" spc="0" normalizeH="0" baseline="0" noProof="0" dirty="0">
                 <a:ln>
                   <a:noFill/>
                 </a:ln>
@@ -9382,7 +9168,7 @@
               <a:defRPr/>
             </a:pPr>
             <a:r>
-              <a:rPr lang="es-ES" dirty="0" smtClean="0">
+              <a:rPr lang="es-ES" dirty="0">
                 <a:solidFill>
                   <a:srgbClr val="0070C0"/>
                 </a:solidFill>
@@ -9391,7 +9177,7 @@
               <a:t>QUAR SIMPOSIOS Y CONGRESOS </a:t>
             </a:r>
             <a:r>
-              <a:rPr kumimoji="0" lang="es-ES" sz="1800" b="0" i="0" u="none" strike="noStrike" kern="1200" cap="none" spc="0" normalizeH="0" baseline="0" noProof="0" dirty="0" smtClean="0">
+              <a:rPr kumimoji="0" lang="es-ES" sz="1800" b="0" i="0" u="none" strike="noStrike" kern="1200" cap="none" spc="0" normalizeH="0" baseline="0" noProof="0" dirty="0">
                 <a:ln>
                   <a:noFill/>
                 </a:ln>
@@ -9582,13 +9368,6 @@
   <p:clrMapOvr>
     <a:masterClrMapping/>
   </p:clrMapOvr>
-  <p:timing>
-    <p:tnLst>
-      <p:par>
-        <p:cTn id="1" dur="indefinite" restart="never" nodeType="tmRoot"/>
-      </p:par>
-    </p:tnLst>
-  </p:timing>
 </p:sld>
 </file>
 
@@ -9816,7 +9595,7 @@
           <a:lstStyle/>
           <a:p>
             <a:r>
-              <a:rPr lang="es-ES" sz="3200" dirty="0" smtClean="0">
+              <a:rPr lang="es-ES" sz="3200" dirty="0">
                 <a:solidFill>
                   <a:srgbClr val="FF9900"/>
                 </a:solidFill>
@@ -9825,7 +9604,7 @@
               <a:t>D</a:t>
             </a:r>
             <a:r>
-              <a:rPr lang="es-ES" sz="3200" dirty="0" smtClean="0">
+              <a:rPr lang="es-ES" sz="3200" dirty="0">
                 <a:solidFill>
                   <a:srgbClr val="CC9900"/>
                 </a:solidFill>
@@ -9834,7 +9613,7 @@
               <a:t>A</a:t>
             </a:r>
             <a:r>
-              <a:rPr lang="es-ES" sz="3200" dirty="0" smtClean="0">
+              <a:rPr lang="es-ES" sz="3200" dirty="0">
                 <a:solidFill>
                   <a:srgbClr val="006600"/>
                 </a:solidFill>
@@ -9843,7 +9622,7 @@
               <a:t>F</a:t>
             </a:r>
             <a:r>
-              <a:rPr lang="es-ES" sz="3200" dirty="0" smtClean="0">
+              <a:rPr lang="es-ES" sz="3200" dirty="0">
                 <a:solidFill>
                   <a:srgbClr val="669900"/>
                 </a:solidFill>
@@ -9876,7 +9655,7 @@
               <a:tabLst/>
               <a:defRPr/>
             </a:pPr>
-            <a:endParaRPr kumimoji="0" lang="es-ES" sz="1800" b="0" i="0" u="none" strike="noStrike" kern="1200" cap="none" spc="0" normalizeH="0" baseline="0" noProof="0" dirty="0" smtClean="0">
+            <a:endParaRPr kumimoji="0" lang="es-ES" sz="1800" b="0" i="0" u="none" strike="noStrike" kern="1200" cap="none" spc="0" normalizeH="0" baseline="0" noProof="0" dirty="0">
               <a:ln>
                 <a:noFill/>
               </a:ln>
@@ -9916,7 +9695,7 @@
           <a:p>
             <a:pPr algn="ctr"/>
             <a:r>
-              <a:rPr lang="es-ES" b="1" dirty="0" smtClean="0">
+              <a:rPr lang="es-ES" b="1" dirty="0">
                 <a:solidFill>
                   <a:srgbClr val="FF9900"/>
                 </a:solidFill>
@@ -9925,7 +9704,7 @@
               <a:t>D</a:t>
             </a:r>
             <a:r>
-              <a:rPr lang="es-ES" dirty="0" smtClean="0">
+              <a:rPr lang="es-ES" dirty="0">
                 <a:solidFill>
                   <a:srgbClr val="FF9900"/>
                 </a:solidFill>
@@ -9940,22 +9719,13 @@
               <a:buChar char="•"/>
             </a:pPr>
             <a:r>
-              <a:rPr lang="es-ES" sz="1600" dirty="0" smtClean="0">
+              <a:rPr lang="es-ES" sz="1600" dirty="0">
                 <a:solidFill>
                   <a:srgbClr val="FF9900"/>
                 </a:solidFill>
                 <a:latin typeface="Consolas" panose="020B0609020204030204" pitchFamily="49" charset="0"/>
               </a:rPr>
-              <a:t>Bajo </a:t>
-            </a:r>
-            <a:r>
-              <a:rPr lang="es-ES" sz="1600" dirty="0" smtClean="0">
-                <a:solidFill>
-                  <a:srgbClr val="FF9900"/>
-                </a:solidFill>
-                <a:latin typeface="Consolas" panose="020B0609020204030204" pitchFamily="49" charset="0"/>
-              </a:rPr>
-              <a:t>porcentaje horas dedicación</a:t>
+              <a:t>Bajo porcentaje horas dedicación</a:t>
             </a:r>
           </a:p>
           <a:p>
@@ -9964,47 +9734,14 @@
               <a:buChar char="•"/>
             </a:pPr>
             <a:r>
-              <a:rPr lang="es-ES" sz="1600" dirty="0" smtClean="0">
+              <a:rPr lang="es-ES" sz="1600" dirty="0">
                 <a:solidFill>
                   <a:srgbClr val="FF9900"/>
                 </a:solidFill>
                 <a:latin typeface="Consolas" panose="020B0609020204030204" pitchFamily="49" charset="0"/>
               </a:rPr>
-              <a:t>Elevada</a:t>
-            </a:r>
-            <a:r>
-              <a:rPr lang="es-ES" sz="1600" dirty="0" smtClean="0">
-                <a:solidFill>
-                  <a:srgbClr val="FF9900"/>
-                </a:solidFill>
-                <a:latin typeface="Consolas" panose="020B0609020204030204" pitchFamily="49" charset="0"/>
-              </a:rPr>
-              <a:t>  </a:t>
-            </a:r>
-            <a:r>
-              <a:rPr lang="es-ES" sz="1600" dirty="0" smtClean="0">
-                <a:solidFill>
-                  <a:srgbClr val="FF9900"/>
-                </a:solidFill>
-                <a:latin typeface="Consolas" panose="020B0609020204030204" pitchFamily="49" charset="0"/>
-              </a:rPr>
-              <a:t>carga de </a:t>
-            </a:r>
-            <a:r>
-              <a:rPr lang="es-ES" sz="1600" dirty="0" smtClean="0">
-                <a:solidFill>
-                  <a:srgbClr val="FF9900"/>
-                </a:solidFill>
-                <a:latin typeface="Consolas" panose="020B0609020204030204" pitchFamily="49" charset="0"/>
-              </a:rPr>
-              <a:t>trabajo.</a:t>
-            </a:r>
-            <a:endParaRPr lang="es-ES" sz="1600" dirty="0" smtClean="0">
-              <a:solidFill>
-                <a:srgbClr val="FF9900"/>
-              </a:solidFill>
-              <a:latin typeface="Consolas" panose="020B0609020204030204" pitchFamily="49" charset="0"/>
-            </a:endParaRPr>
+              <a:t>Elevada  carga de trabajo.</a:t>
+            </a:r>
           </a:p>
           <a:p>
             <a:pPr marL="285750" indent="-285750" algn="just">
@@ -10012,31 +9749,13 @@
               <a:buChar char="•"/>
             </a:pPr>
             <a:r>
-              <a:rPr lang="es-ES" sz="1600" dirty="0" smtClean="0">
+              <a:rPr lang="es-ES" sz="1600" dirty="0">
                 <a:solidFill>
                   <a:srgbClr val="FF9900"/>
                 </a:solidFill>
                 <a:latin typeface="Consolas" panose="020B0609020204030204" pitchFamily="49" charset="0"/>
               </a:rPr>
-              <a:t>Difícil coordinación </a:t>
-            </a:r>
-            <a:r>
-              <a:rPr lang="es-ES" sz="1600" dirty="0" smtClean="0">
-                <a:solidFill>
-                  <a:srgbClr val="FF9900"/>
-                </a:solidFill>
-                <a:latin typeface="Consolas" panose="020B0609020204030204" pitchFamily="49" charset="0"/>
-              </a:rPr>
-              <a:t>actividades con otros </a:t>
-            </a:r>
-            <a:r>
-              <a:rPr lang="es-ES" sz="1600" dirty="0" smtClean="0">
-                <a:solidFill>
-                  <a:srgbClr val="FF9900"/>
-                </a:solidFill>
-                <a:latin typeface="Consolas" panose="020B0609020204030204" pitchFamily="49" charset="0"/>
-              </a:rPr>
-              <a:t>proyectos.</a:t>
+              <a:t>Difícil coordinación actividades con otros proyectos.</a:t>
             </a:r>
           </a:p>
           <a:p>
@@ -10045,7 +9764,7 @@
               <a:buChar char="•"/>
             </a:pPr>
             <a:r>
-              <a:rPr lang="es-ES" sz="1600" dirty="0" smtClean="0">
+              <a:rPr lang="es-ES" sz="1600" dirty="0">
                 <a:solidFill>
                   <a:srgbClr val="FF9900"/>
                 </a:solidFill>
@@ -10060,7 +9779,7 @@
               <a:buChar char="•"/>
             </a:pPr>
             <a:r>
-              <a:rPr lang="es-ES" sz="1600" dirty="0" smtClean="0">
+              <a:rPr lang="es-ES" sz="1600" dirty="0">
                 <a:solidFill>
                   <a:srgbClr val="FF9900"/>
                 </a:solidFill>
@@ -10075,7 +9794,7 @@
               <a:buChar char="•"/>
             </a:pPr>
             <a:r>
-              <a:rPr lang="es-ES" sz="1600" dirty="0" smtClean="0">
+              <a:rPr lang="es-ES" sz="1600" dirty="0">
                 <a:solidFill>
                   <a:srgbClr val="FF9900"/>
                 </a:solidFill>
@@ -10083,12 +9802,6 @@
               </a:rPr>
               <a:t>Desarrollo software R IEO. </a:t>
             </a:r>
-            <a:endParaRPr lang="es-ES" sz="1600" dirty="0" smtClean="0">
-              <a:solidFill>
-                <a:srgbClr val="FF9900"/>
-              </a:solidFill>
-              <a:latin typeface="Consolas" panose="020B0609020204030204" pitchFamily="49" charset="0"/>
-            </a:endParaRPr>
           </a:p>
           <a:p>
             <a:pPr algn="just"/>
@@ -10123,7 +9836,7 @@
           <a:p>
             <a:pPr algn="ctr"/>
             <a:r>
-              <a:rPr lang="es-ES" b="1" dirty="0" smtClean="0">
+              <a:rPr lang="es-ES" b="1" dirty="0">
                 <a:solidFill>
                   <a:srgbClr val="669900"/>
                 </a:solidFill>
@@ -10132,7 +9845,7 @@
               <a:t>O</a:t>
             </a:r>
             <a:r>
-              <a:rPr lang="es-ES" dirty="0" smtClean="0">
+              <a:rPr lang="es-ES" dirty="0">
                 <a:solidFill>
                   <a:srgbClr val="669900"/>
                 </a:solidFill>
@@ -10140,7 +9853,7 @@
               </a:rPr>
               <a:t>portunidades</a:t>
             </a:r>
-            <a:endParaRPr lang="es-ES" sz="1500" dirty="0" smtClean="0">
+            <a:endParaRPr lang="es-ES" sz="1500" dirty="0">
               <a:solidFill>
                 <a:srgbClr val="669900"/>
               </a:solidFill>
@@ -10153,38 +9866,14 @@
               <a:buChar char="•"/>
             </a:pPr>
             <a:r>
-              <a:rPr lang="es-ES" sz="1500" dirty="0" smtClean="0">
+              <a:rPr lang="es-ES" sz="1500" dirty="0">
                 <a:solidFill>
                   <a:srgbClr val="669900"/>
                 </a:solidFill>
                 <a:latin typeface="Consolas" panose="020B0609020204030204" pitchFamily="49" charset="0"/>
               </a:rPr>
-              <a:t>Bajo </a:t>
-            </a:r>
-            <a:r>
-              <a:rPr lang="es-ES" sz="1500" dirty="0" smtClean="0">
-                <a:solidFill>
-                  <a:srgbClr val="669900"/>
-                </a:solidFill>
-                <a:latin typeface="Consolas" panose="020B0609020204030204" pitchFamily="49" charset="0"/>
-              </a:rPr>
-              <a:t>coste del </a:t>
-            </a:r>
-            <a:r>
-              <a:rPr lang="es-ES" sz="1500" dirty="0" smtClean="0">
-                <a:solidFill>
-                  <a:srgbClr val="669900"/>
-                </a:solidFill>
-                <a:latin typeface="Consolas" panose="020B0609020204030204" pitchFamily="49" charset="0"/>
-              </a:rPr>
-              <a:t>proyecto.</a:t>
-            </a:r>
-            <a:endParaRPr lang="es-ES" sz="1500" dirty="0" smtClean="0">
-              <a:solidFill>
-                <a:srgbClr val="669900"/>
-              </a:solidFill>
-              <a:latin typeface="Consolas" panose="020B0609020204030204" pitchFamily="49" charset="0"/>
-            </a:endParaRPr>
+              <a:t>Bajo coste del proyecto.</a:t>
+            </a:r>
           </a:p>
           <a:p>
             <a:pPr marL="285750" indent="-285750" algn="just">
@@ -10192,29 +9881,14 @@
               <a:buChar char="•"/>
             </a:pPr>
             <a:r>
-              <a:rPr lang="es-ES" sz="1500" dirty="0" smtClean="0">
+              <a:rPr lang="es-ES" sz="1500" dirty="0">
                 <a:solidFill>
                   <a:srgbClr val="669900"/>
                 </a:solidFill>
                 <a:latin typeface="Consolas" panose="020B0609020204030204" pitchFamily="49" charset="0"/>
               </a:rPr>
-              <a:t>Estabilidad  a medio plazo </a:t>
-            </a:r>
-            <a:r>
-              <a:rPr lang="es-ES" sz="1500" dirty="0" smtClean="0">
-                <a:solidFill>
-                  <a:srgbClr val="669900"/>
-                </a:solidFill>
-                <a:latin typeface="Consolas" panose="020B0609020204030204" pitchFamily="49" charset="0"/>
-              </a:rPr>
-              <a:t>FEMPA.</a:t>
-            </a:r>
-            <a:endParaRPr lang="es-ES" sz="1500" dirty="0" smtClean="0">
-              <a:solidFill>
-                <a:srgbClr val="669900"/>
-              </a:solidFill>
-              <a:latin typeface="Consolas" panose="020B0609020204030204" pitchFamily="49" charset="0"/>
-            </a:endParaRPr>
+              <a:t>Estabilidad  a medio plazo FEMPA.</a:t>
+            </a:r>
           </a:p>
           <a:p>
             <a:pPr marL="285750" indent="-285750" algn="just">
@@ -10228,23 +9902,8 @@
                 </a:solidFill>
                 <a:latin typeface="Consolas" panose="020B0609020204030204" pitchFamily="49" charset="0"/>
               </a:rPr>
-              <a:t>Financiación externa Plan Estatal de </a:t>
-            </a:r>
-            <a:r>
-              <a:rPr lang="es-ES" sz="1500" dirty="0" smtClean="0">
-                <a:solidFill>
-                  <a:srgbClr val="669900"/>
-                </a:solidFill>
-                <a:latin typeface="Consolas" panose="020B0609020204030204" pitchFamily="49" charset="0"/>
-              </a:rPr>
-              <a:t>I+D+I. </a:t>
-            </a:r>
-            <a:endParaRPr lang="es-ES" sz="1500" dirty="0" smtClean="0">
-              <a:solidFill>
-                <a:srgbClr val="669900"/>
-              </a:solidFill>
-              <a:latin typeface="Consolas" panose="020B0609020204030204" pitchFamily="49" charset="0"/>
-            </a:endParaRPr>
+              <a:t>Financiación externa Plan Estatal de I+D+I. </a:t>
+            </a:r>
           </a:p>
           <a:p>
             <a:pPr marL="285750" indent="-285750" algn="just">
@@ -10252,29 +9911,14 @@
               <a:buChar char="•"/>
             </a:pPr>
             <a:r>
-              <a:rPr lang="es-ES" sz="1500" dirty="0" smtClean="0">
+              <a:rPr lang="es-ES" sz="1500" dirty="0">
                 <a:solidFill>
                   <a:srgbClr val="669900"/>
                 </a:solidFill>
                 <a:latin typeface="Consolas" panose="020B0609020204030204" pitchFamily="49" charset="0"/>
               </a:rPr>
-              <a:t>Contratación </a:t>
-            </a:r>
-            <a:r>
-              <a:rPr lang="es-ES" sz="1500" dirty="0" smtClean="0">
-                <a:solidFill>
-                  <a:srgbClr val="669900"/>
-                </a:solidFill>
-                <a:latin typeface="Consolas" panose="020B0609020204030204" pitchFamily="49" charset="0"/>
-              </a:rPr>
-              <a:t>PNDB.</a:t>
-            </a:r>
-            <a:endParaRPr lang="es-ES" sz="1500" dirty="0" smtClean="0">
-              <a:solidFill>
-                <a:srgbClr val="669900"/>
-              </a:solidFill>
-              <a:latin typeface="Consolas" panose="020B0609020204030204" pitchFamily="49" charset="0"/>
-            </a:endParaRPr>
+              <a:t>Contratación PNDB.</a:t>
+            </a:r>
           </a:p>
           <a:p>
             <a:pPr marL="285750" indent="-285750" algn="just">
@@ -10282,29 +9926,14 @@
               <a:buChar char="•"/>
             </a:pPr>
             <a:r>
-              <a:rPr lang="es-ES" sz="1500" dirty="0" smtClean="0">
+              <a:rPr lang="es-ES" sz="1500" dirty="0">
                 <a:solidFill>
                   <a:srgbClr val="669900"/>
                 </a:solidFill>
                 <a:latin typeface="Consolas" panose="020B0609020204030204" pitchFamily="49" charset="0"/>
               </a:rPr>
-              <a:t>Nuevas incorporaciones </a:t>
-            </a:r>
-            <a:r>
-              <a:rPr lang="es-ES" sz="1500" dirty="0" smtClean="0">
-                <a:solidFill>
-                  <a:srgbClr val="669900"/>
-                </a:solidFill>
-                <a:latin typeface="Consolas" panose="020B0609020204030204" pitchFamily="49" charset="0"/>
-              </a:rPr>
-              <a:t>OEP.</a:t>
-            </a:r>
-            <a:endParaRPr lang="es-ES" sz="1500" dirty="0" smtClean="0">
-              <a:solidFill>
-                <a:srgbClr val="669900"/>
-              </a:solidFill>
-              <a:latin typeface="Consolas" panose="020B0609020204030204" pitchFamily="49" charset="0"/>
-            </a:endParaRPr>
+              <a:t>Nuevas incorporaciones OEP.</a:t>
+            </a:r>
           </a:p>
           <a:p>
             <a:pPr marL="285750" indent="-285750" algn="just">
@@ -10312,22 +9941,13 @@
               <a:buChar char="•"/>
             </a:pPr>
             <a:r>
-              <a:rPr lang="es-ES" sz="1500" dirty="0" smtClean="0">
+              <a:rPr lang="es-ES" sz="1500" dirty="0">
                 <a:solidFill>
                   <a:srgbClr val="669900"/>
                 </a:solidFill>
                 <a:latin typeface="Consolas" panose="020B0609020204030204" pitchFamily="49" charset="0"/>
               </a:rPr>
-              <a:t>Impacto en la </a:t>
-            </a:r>
-            <a:r>
-              <a:rPr lang="es-ES" sz="1500" dirty="0" smtClean="0">
-                <a:solidFill>
-                  <a:srgbClr val="669900"/>
-                </a:solidFill>
-                <a:latin typeface="Consolas" panose="020B0609020204030204" pitchFamily="49" charset="0"/>
-              </a:rPr>
-              <a:t>sociedad.</a:t>
+              <a:t>Impacto en la sociedad.</a:t>
             </a:r>
           </a:p>
           <a:p>
@@ -10336,7 +9956,7 @@
               <a:buChar char="•"/>
             </a:pPr>
             <a:r>
-              <a:rPr lang="es-ES" sz="1500" dirty="0" smtClean="0">
+              <a:rPr lang="es-ES" sz="1500" dirty="0">
                 <a:solidFill>
                   <a:srgbClr val="669900"/>
                 </a:solidFill>
@@ -10351,7 +9971,7 @@
               <a:buChar char="•"/>
             </a:pPr>
             <a:r>
-              <a:rPr lang="es-ES" sz="1500" dirty="0" smtClean="0">
+              <a:rPr lang="es-ES" sz="1500" dirty="0">
                 <a:solidFill>
                   <a:srgbClr val="669900"/>
                 </a:solidFill>
@@ -10390,7 +10010,7 @@
           <a:p>
             <a:pPr algn="ctr"/>
             <a:r>
-              <a:rPr lang="es-ES" b="1" dirty="0" smtClean="0">
+              <a:rPr lang="es-ES" b="1" dirty="0">
                 <a:solidFill>
                   <a:srgbClr val="CC9900"/>
                 </a:solidFill>
@@ -10399,7 +10019,7 @@
               <a:t>A</a:t>
             </a:r>
             <a:r>
-              <a:rPr lang="es-ES" dirty="0" smtClean="0">
+              <a:rPr lang="es-ES" dirty="0">
                 <a:solidFill>
                   <a:srgbClr val="CC9900"/>
                 </a:solidFill>
@@ -10414,22 +10034,13 @@
               <a:buChar char="•"/>
             </a:pPr>
             <a:r>
-              <a:rPr lang="es-ES" sz="1600" dirty="0" smtClean="0">
+              <a:rPr lang="es-ES" sz="1600" dirty="0">
                 <a:solidFill>
                   <a:srgbClr val="CC9900"/>
                 </a:solidFill>
                 <a:latin typeface="Consolas" panose="020B0609020204030204" pitchFamily="49" charset="0"/>
               </a:rPr>
-              <a:t>Pérdida </a:t>
-            </a:r>
-            <a:r>
-              <a:rPr lang="es-ES" sz="1600" dirty="0" smtClean="0">
-                <a:solidFill>
-                  <a:srgbClr val="CC9900"/>
-                </a:solidFill>
-                <a:latin typeface="Consolas" panose="020B0609020204030204" pitchFamily="49" charset="0"/>
-              </a:rPr>
-              <a:t>de presencia de pesca dentro de las áreas del IEO</a:t>
+              <a:t>Pérdida de presencia de pesca dentro de las áreas del IEO</a:t>
             </a:r>
           </a:p>
           <a:p>
@@ -10438,29 +10049,14 @@
               <a:buChar char="•"/>
             </a:pPr>
             <a:r>
-              <a:rPr lang="es-ES" sz="1600" dirty="0" smtClean="0">
+              <a:rPr lang="es-ES" sz="1600" dirty="0">
                 <a:solidFill>
                   <a:srgbClr val="CC9900"/>
                 </a:solidFill>
                 <a:latin typeface="Consolas" panose="020B0609020204030204" pitchFamily="49" charset="0"/>
               </a:rPr>
-              <a:t>Liderazgo en grupos </a:t>
-            </a:r>
-            <a:r>
-              <a:rPr lang="es-ES" sz="1600" dirty="0" smtClean="0">
-                <a:solidFill>
-                  <a:srgbClr val="CC9900"/>
-                </a:solidFill>
-                <a:latin typeface="Consolas" panose="020B0609020204030204" pitchFamily="49" charset="0"/>
-              </a:rPr>
-              <a:t>internacionales de métodos de evaluación</a:t>
-            </a:r>
-            <a:endParaRPr lang="es-ES" sz="1600" dirty="0" smtClean="0">
-              <a:solidFill>
-                <a:srgbClr val="CC9900"/>
-              </a:solidFill>
-              <a:latin typeface="Consolas" panose="020B0609020204030204" pitchFamily="49" charset="0"/>
-            </a:endParaRPr>
+              <a:t>Liderazgo en grupos internacionales de métodos de evaluación</a:t>
+            </a:r>
           </a:p>
           <a:p>
             <a:pPr marL="285750" indent="-285750">
@@ -10468,7 +10064,7 @@
               <a:buChar char="•"/>
             </a:pPr>
             <a:r>
-              <a:rPr lang="es-ES" sz="1600" dirty="0" smtClean="0">
+              <a:rPr lang="es-ES" sz="1600" dirty="0">
                 <a:solidFill>
                   <a:srgbClr val="CC9900"/>
                 </a:solidFill>
@@ -10483,22 +10079,13 @@
               <a:buChar char="•"/>
             </a:pPr>
             <a:r>
-              <a:rPr lang="es-ES" sz="1600" dirty="0" smtClean="0">
+              <a:rPr lang="es-ES" sz="1600" dirty="0">
                 <a:solidFill>
                   <a:srgbClr val="CC9900"/>
                 </a:solidFill>
                 <a:latin typeface="Consolas" panose="020B0609020204030204" pitchFamily="49" charset="0"/>
               </a:rPr>
-              <a:t>Disciplina menos </a:t>
-            </a:r>
-            <a:r>
-              <a:rPr lang="es-ES" sz="1600" dirty="0" smtClean="0">
-                <a:solidFill>
-                  <a:srgbClr val="CC9900"/>
-                </a:solidFill>
-                <a:latin typeface="Consolas" panose="020B0609020204030204" pitchFamily="49" charset="0"/>
-              </a:rPr>
-              <a:t>popular y desconocida</a:t>
+              <a:t>Disciplina menos popular y desconocida</a:t>
             </a:r>
           </a:p>
           <a:p>
@@ -10507,7 +10094,7 @@
               <a:buChar char="•"/>
             </a:pPr>
             <a:r>
-              <a:rPr lang="es-ES" sz="1600" dirty="0" smtClean="0">
+              <a:rPr lang="es-ES" sz="1600" dirty="0">
                 <a:solidFill>
                   <a:srgbClr val="CC9900"/>
                 </a:solidFill>
@@ -10515,12 +10102,6 @@
               </a:rPr>
               <a:t>Confusión con otros proyectos por desconocimiento</a:t>
             </a:r>
-            <a:endParaRPr lang="es-ES" sz="1600" dirty="0">
-              <a:solidFill>
-                <a:srgbClr val="CC9900"/>
-              </a:solidFill>
-              <a:latin typeface="Consolas" panose="020B0609020204030204" pitchFamily="49" charset="0"/>
-            </a:endParaRPr>
           </a:p>
         </p:txBody>
       </p:sp>
@@ -10547,7 +10128,7 @@
           <a:p>
             <a:pPr algn="ctr"/>
             <a:r>
-              <a:rPr lang="es-ES" b="1" dirty="0" smtClean="0">
+              <a:rPr lang="es-ES" b="1" dirty="0">
                 <a:solidFill>
                   <a:srgbClr val="006600"/>
                 </a:solidFill>
@@ -10556,7 +10137,7 @@
               <a:t>F</a:t>
             </a:r>
             <a:r>
-              <a:rPr lang="es-ES" dirty="0" smtClean="0">
+              <a:rPr lang="es-ES" dirty="0">
                 <a:solidFill>
                   <a:srgbClr val="006600"/>
                 </a:solidFill>
@@ -10564,7 +10145,7 @@
               </a:rPr>
               <a:t>ortalezas</a:t>
             </a:r>
-            <a:endParaRPr lang="es-ES" sz="1600" dirty="0" smtClean="0">
+            <a:endParaRPr lang="es-ES" sz="1600" dirty="0">
               <a:solidFill>
                 <a:srgbClr val="006600"/>
               </a:solidFill>
@@ -10577,29 +10158,14 @@
               <a:buChar char="•"/>
             </a:pPr>
             <a:r>
-              <a:rPr lang="es-ES" sz="1400" dirty="0" smtClean="0">
+              <a:rPr lang="es-ES" sz="1400" dirty="0">
                 <a:solidFill>
                   <a:srgbClr val="006600"/>
                 </a:solidFill>
                 <a:latin typeface="Consolas" panose="020B0609020204030204" pitchFamily="49" charset="0"/>
               </a:rPr>
-              <a:t>Formación altamente cualificada matemática, estadística y </a:t>
-            </a:r>
-            <a:r>
-              <a:rPr lang="es-ES" sz="1400" dirty="0" smtClean="0">
-                <a:solidFill>
-                  <a:srgbClr val="006600"/>
-                </a:solidFill>
-                <a:latin typeface="Consolas" panose="020B0609020204030204" pitchFamily="49" charset="0"/>
-              </a:rPr>
-              <a:t>computacional. </a:t>
-            </a:r>
-            <a:endParaRPr lang="es-ES" sz="1400" dirty="0" smtClean="0">
-              <a:solidFill>
-                <a:srgbClr val="006600"/>
-              </a:solidFill>
-              <a:latin typeface="Consolas" panose="020B0609020204030204" pitchFamily="49" charset="0"/>
-            </a:endParaRPr>
+              <a:t>Formación altamente cualificada matemática, estadística y computacional. </a:t>
+            </a:r>
           </a:p>
           <a:p>
             <a:pPr marL="285750" indent="-285750" algn="just">
@@ -10607,49 +10173,13 @@
               <a:buChar char="•"/>
             </a:pPr>
             <a:r>
-              <a:rPr lang="es-ES" sz="1400" dirty="0" smtClean="0">
+              <a:rPr lang="es-ES" sz="1400" dirty="0">
                 <a:solidFill>
                   <a:srgbClr val="006600"/>
                 </a:solidFill>
                 <a:latin typeface="Consolas" panose="020B0609020204030204" pitchFamily="49" charset="0"/>
               </a:rPr>
-              <a:t>Capacidad </a:t>
-            </a:r>
-            <a:r>
-              <a:rPr lang="es-ES" sz="1400" dirty="0">
-                <a:solidFill>
-                  <a:srgbClr val="006600"/>
-                </a:solidFill>
-                <a:latin typeface="Consolas" panose="020B0609020204030204" pitchFamily="49" charset="0"/>
-              </a:rPr>
-              <a:t>de afrontar los retos </a:t>
-            </a:r>
-            <a:r>
-              <a:rPr lang="es-ES" sz="1400" dirty="0" smtClean="0">
-                <a:solidFill>
-                  <a:srgbClr val="006600"/>
-                </a:solidFill>
-                <a:latin typeface="Consolas" panose="020B0609020204030204" pitchFamily="49" charset="0"/>
-              </a:rPr>
-              <a:t>metodológicos en </a:t>
-            </a:r>
-            <a:r>
-              <a:rPr lang="es-ES" sz="1400" dirty="0">
-                <a:solidFill>
-                  <a:srgbClr val="006600"/>
-                </a:solidFill>
-                <a:latin typeface="Consolas" panose="020B0609020204030204" pitchFamily="49" charset="0"/>
-              </a:rPr>
-              <a:t>evaluación de </a:t>
-            </a:r>
-            <a:r>
-              <a:rPr lang="es-ES" sz="1400" dirty="0" smtClean="0">
-                <a:solidFill>
-                  <a:srgbClr val="006600"/>
-                </a:solidFill>
-                <a:latin typeface="Consolas" panose="020B0609020204030204" pitchFamily="49" charset="0"/>
-              </a:rPr>
-              <a:t>stocks</a:t>
+              <a:t>Capacidad de afrontar los retos metodológicos en evaluación de stocks</a:t>
             </a:r>
           </a:p>
           <a:p>
@@ -10658,7 +10188,7 @@
               <a:buChar char="•"/>
             </a:pPr>
             <a:r>
-              <a:rPr lang="es-ES" sz="1400" dirty="0" smtClean="0">
+              <a:rPr lang="es-ES" sz="1400" dirty="0">
                 <a:solidFill>
                   <a:srgbClr val="006600"/>
                 </a:solidFill>
@@ -10673,7 +10203,7 @@
               <a:buChar char="•"/>
             </a:pPr>
             <a:r>
-              <a:rPr lang="es-ES" sz="1400" dirty="0" smtClean="0">
+              <a:rPr lang="es-ES" sz="1400" dirty="0">
                 <a:solidFill>
                   <a:srgbClr val="006600"/>
                 </a:solidFill>
@@ -10688,7 +10218,7 @@
               <a:buChar char="•"/>
             </a:pPr>
             <a:r>
-              <a:rPr lang="es-ES" sz="1400" dirty="0" smtClean="0">
+              <a:rPr lang="es-ES" sz="1400" dirty="0">
                 <a:solidFill>
                   <a:srgbClr val="006600"/>
                 </a:solidFill>
@@ -10703,29 +10233,14 @@
               <a:buChar char="•"/>
             </a:pPr>
             <a:r>
-              <a:rPr lang="es-ES" sz="1400" dirty="0" smtClean="0">
+              <a:rPr lang="es-ES" sz="1400" dirty="0">
                 <a:solidFill>
                   <a:srgbClr val="006600"/>
                 </a:solidFill>
                 <a:latin typeface="Consolas" panose="020B0609020204030204" pitchFamily="49" charset="0"/>
               </a:rPr>
-              <a:t>Capacidad de aprendizaje y </a:t>
-            </a:r>
-            <a:r>
-              <a:rPr lang="es-ES" sz="1400" dirty="0" smtClean="0">
-                <a:solidFill>
-                  <a:srgbClr val="006600"/>
-                </a:solidFill>
-                <a:latin typeface="Consolas" panose="020B0609020204030204" pitchFamily="49" charset="0"/>
-              </a:rPr>
-              <a:t>adaptación a retos metodológicos</a:t>
-            </a:r>
-            <a:endParaRPr lang="es-ES" sz="1400" dirty="0">
-              <a:solidFill>
-                <a:srgbClr val="006600"/>
-              </a:solidFill>
-              <a:latin typeface="Consolas" panose="020B0609020204030204" pitchFamily="49" charset="0"/>
-            </a:endParaRPr>
+              <a:t>Capacidad de aprendizaje y adaptación a retos metodológicos</a:t>
+            </a:r>
           </a:p>
         </p:txBody>
       </p:sp>
@@ -10739,13 +10254,6 @@
   <p:clrMapOvr>
     <a:masterClrMapping/>
   </p:clrMapOvr>
-  <p:timing>
-    <p:tnLst>
-      <p:par>
-        <p:cTn id="1" dur="indefinite" restart="never" nodeType="tmRoot"/>
-      </p:par>
-    </p:tnLst>
-  </p:timing>
 </p:sld>
 </file>
 
@@ -10794,16 +10302,7 @@
                 </a:solidFill>
                 <a:latin typeface="Consolas" panose="020B0609020204030204" pitchFamily="49" charset="0"/>
               </a:rPr>
-              <a:t>¡</a:t>
-            </a:r>
-            <a:r>
-              <a:rPr lang="es-ES" sz="2800" dirty="0" smtClean="0">
-                <a:solidFill>
-                  <a:srgbClr val="FF0000"/>
-                </a:solidFill>
-                <a:latin typeface="Consolas" panose="020B0609020204030204" pitchFamily="49" charset="0"/>
-              </a:rPr>
-              <a:t>GRACIAS!</a:t>
+              <a:t>¡GRACIAS!</a:t>
             </a:r>
             <a:endParaRPr lang="es-ES" sz="2800" dirty="0"/>
           </a:p>
@@ -10849,13 +10348,6 @@
   <p:clrMapOvr>
     <a:masterClrMapping/>
   </p:clrMapOvr>
-  <p:timing>
-    <p:tnLst>
-      <p:par>
-        <p:cTn id="1" dur="indefinite" restart="never" nodeType="tmRoot"/>
-      </p:par>
-    </p:tnLst>
-  </p:timing>
 </p:sld>
 </file>
 
